--- a/documentation/SupportingDocuments/API_Proposal_IoT_SIM_Fraud_Prevention.pptx
+++ b/documentation/SupportingDocuments/API_Proposal_IoT_SIM_Fraud_Prevention.pptx
@@ -9372,10 +9372,10 @@
                           <a:ea typeface="微软雅黑" panose="020B0503020204020204" pitchFamily="34" charset="-122"/>
                           <a:cs typeface="Arial" panose="020B0604020202020204" pitchFamily="34" charset="0"/>
                         </a:rPr>
-                        <a:t>IoT SIM Fraud Prevention Subscibition</a:t>
+                        <a:t>IoT SIM Fraud Prevention Subscription</a:t>
                       </a:r>
                       <a:r>
-                        <a:rPr lang="en-US" altLang="zh-CN" sz="1400" b="1" dirty="0">
+                        <a:rPr lang="en-US" sz="1400" b="1" dirty="0">
                           <a:solidFill>
                             <a:srgbClr val="0000FF"/>
                           </a:solidFill>
@@ -9383,7 +9383,18 @@
                           <a:ea typeface="微软雅黑" panose="020B0503020204020204" pitchFamily="34" charset="-122"/>
                           <a:cs typeface="Arial" panose="020B0604020202020204" pitchFamily="34" charset="0"/>
                         </a:rPr>
-                        <a:t>  API </a:t>
+                        <a:t> </a:t>
+                      </a:r>
+                      <a:r>
+                        <a:rPr lang="en-US" altLang="zh-CN" sz="1400" b="1" dirty="0">
+                          <a:solidFill>
+                            <a:srgbClr val="0000FF"/>
+                          </a:solidFill>
+                          <a:latin typeface="Arial" panose="020B0604020202020204" pitchFamily="34" charset="0"/>
+                          <a:ea typeface="微软雅黑" panose="020B0503020204020204" pitchFamily="34" charset="-122"/>
+                          <a:cs typeface="Arial" panose="020B0604020202020204" pitchFamily="34" charset="0"/>
+                        </a:rPr>
+                        <a:t>API </a:t>
                       </a:r>
                       <a:endParaRPr lang="zh-CN" altLang="en-US" sz="1400" b="1" dirty="0">
                         <a:solidFill>

--- a/documentation/SupportingDocuments/API_Proposal_IoT_SIM_Fraud_Prevention.pptx
+++ b/documentation/SupportingDocuments/API_Proposal_IoT_SIM_Fraud_Prevention.pptx
@@ -12,12 +12,14 @@
     <p:sldId id="346" r:id="rId5"/>
     <p:sldId id="349" r:id="rId6"/>
     <p:sldId id="341" r:id="rId7"/>
-    <p:sldId id="356" r:id="rId8"/>
+    <p:sldId id="369" r:id="rId8"/>
+    <p:sldId id="368" r:id="rId9"/>
+    <p:sldId id="356" r:id="rId10"/>
   </p:sldIdLst>
   <p:sldSz cx="12192000" cy="6858000"/>
   <p:notesSz cx="6858000" cy="9144000"/>
   <p:custDataLst>
-    <p:tags r:id="rId13"/>
+    <p:tags r:id="rId15"/>
   </p:custDataLst>
   <p:defaultTextStyle>
     <a:defPPr>
@@ -844,6 +846,110 @@
 </file>
 
 <file path=ppt/notesSlides/notesSlide5.xml><?xml version="1.0" encoding="utf-8"?>
+<p:notes xmlns:a="http://schemas.openxmlformats.org/drawingml/2006/main" xmlns:r="http://schemas.openxmlformats.org/officeDocument/2006/relationships" xmlns:p="http://schemas.openxmlformats.org/presentationml/2006/main">
+  <p:cSld>
+    <p:spTree>
+      <p:nvGrpSpPr>
+        <p:cNvPr id="1" name=""/>
+        <p:cNvGrpSpPr/>
+        <p:nvPr/>
+      </p:nvGrpSpPr>
+      <p:grpSpPr/>
+      <p:sp>
+        <p:nvSpPr>
+          <p:cNvPr id="2" name="幻灯片图像占位符 1"/>
+          <p:cNvSpPr>
+            <a:spLocks noGrp="1"/>
+          </p:cNvSpPr>
+          <p:nvPr>
+            <p:ph type="sldImg" idx="2"/>
+          </p:nvPr>
+        </p:nvSpPr>
+        <p:spPr/>
+      </p:sp>
+      <p:sp>
+        <p:nvSpPr>
+          <p:cNvPr id="3" name="文本占位符 2"/>
+          <p:cNvSpPr>
+            <a:spLocks noGrp="1"/>
+          </p:cNvSpPr>
+          <p:nvPr>
+            <p:ph type="body" idx="3"/>
+          </p:nvPr>
+        </p:nvSpPr>
+        <p:spPr/>
+        <p:txBody>
+          <a:bodyPr/>
+          <a:p>
+            <a:r>
+              <a:rPr lang="zh-CN" altLang="en-US"/>
+              <a:t>只提供查询能力</a:t>
+            </a:r>
+            <a:endParaRPr lang="zh-CN" altLang="en-US"/>
+          </a:p>
+        </p:txBody>
+      </p:sp>
+    </p:spTree>
+  </p:cSld>
+  <p:clrMapOvr>
+    <a:masterClrMapping/>
+  </p:clrMapOvr>
+</p:notes>
+</file>
+
+<file path=ppt/notesSlides/notesSlide6.xml><?xml version="1.0" encoding="utf-8"?>
+<p:notes xmlns:a="http://schemas.openxmlformats.org/drawingml/2006/main" xmlns:r="http://schemas.openxmlformats.org/officeDocument/2006/relationships" xmlns:p="http://schemas.openxmlformats.org/presentationml/2006/main">
+  <p:cSld>
+    <p:spTree>
+      <p:nvGrpSpPr>
+        <p:cNvPr id="1" name=""/>
+        <p:cNvGrpSpPr/>
+        <p:nvPr/>
+      </p:nvGrpSpPr>
+      <p:grpSpPr/>
+      <p:sp>
+        <p:nvSpPr>
+          <p:cNvPr id="2" name="幻灯片图像占位符 1"/>
+          <p:cNvSpPr>
+            <a:spLocks noGrp="1"/>
+          </p:cNvSpPr>
+          <p:nvPr>
+            <p:ph type="sldImg" idx="2"/>
+          </p:nvPr>
+        </p:nvSpPr>
+        <p:spPr/>
+      </p:sp>
+      <p:sp>
+        <p:nvSpPr>
+          <p:cNvPr id="3" name="文本占位符 2"/>
+          <p:cNvSpPr>
+            <a:spLocks noGrp="1"/>
+          </p:cNvSpPr>
+          <p:nvPr>
+            <p:ph type="body" idx="3"/>
+          </p:nvPr>
+        </p:nvSpPr>
+        <p:spPr/>
+        <p:txBody>
+          <a:bodyPr/>
+          <a:p>
+            <a:r>
+              <a:rPr lang="zh-CN" altLang="en-US"/>
+              <a:t>只提供查询能力</a:t>
+            </a:r>
+            <a:endParaRPr lang="zh-CN" altLang="en-US"/>
+          </a:p>
+        </p:txBody>
+      </p:sp>
+    </p:spTree>
+  </p:cSld>
+  <p:clrMapOvr>
+    <a:masterClrMapping/>
+  </p:clrMapOvr>
+</p:notes>
+</file>
+
+<file path=ppt/notesSlides/notesSlide7.xml><?xml version="1.0" encoding="utf-8"?>
 <p:notes xmlns:a="http://schemas.openxmlformats.org/drawingml/2006/main" xmlns:r="http://schemas.openxmlformats.org/officeDocument/2006/relationships" xmlns:p="http://schemas.openxmlformats.org/presentationml/2006/main">
   <p:cSld>
     <p:spTree>
@@ -7026,6 +7132,3981 @@
         </p:spPr>
         <p:txBody>
           <a:bodyPr>
+            <a:normAutofit/>
+          </a:bodyPr>
+          <a:lstStyle/>
+          <a:p>
+            <a:r>
+              <a:rPr lang="en-US" altLang="zh-CN" sz="3555" dirty="0">
+                <a:sym typeface="+mn-ea"/>
+              </a:rPr>
+              <a:t>The API definition proposal(bind)</a:t>
+            </a:r>
+            <a:endParaRPr lang="zh-CN" altLang="en-US" sz="3555" dirty="0">
+              <a:sym typeface="+mn-ea"/>
+            </a:endParaRPr>
+          </a:p>
+        </p:txBody>
+      </p:sp>
+      <p:graphicFrame>
+        <p:nvGraphicFramePr>
+          <p:cNvPr id="4" name="表格 3"/>
+          <p:cNvGraphicFramePr>
+            <a:graphicFrameLocks noGrp="1"/>
+          </p:cNvGraphicFramePr>
+          <p:nvPr>
+            <p:custDataLst>
+              <p:tags r:id="rId1"/>
+            </p:custDataLst>
+          </p:nvPr>
+        </p:nvGraphicFramePr>
+        <p:xfrm>
+          <a:off x="481965" y="1701165"/>
+          <a:ext cx="10493375" cy="4436110"/>
+        </p:xfrm>
+        <a:graphic>
+          <a:graphicData uri="http://schemas.openxmlformats.org/drawingml/2006/table">
+            <a:tbl>
+              <a:tblPr firstRow="1" bandRow="1"/>
+              <a:tblGrid>
+                <a:gridCol w="2509520"/>
+                <a:gridCol w="7983855"/>
+              </a:tblGrid>
+              <a:tr h="497840">
+                <a:tc>
+                  <a:txBody>
+                    <a:bodyPr/>
+                    <a:lstStyle>
+                      <a:lvl1pPr marL="0" algn="l" defTabSz="1219200" rtl="0" eaLnBrk="1" latinLnBrk="0" hangingPunct="1">
+                        <a:defRPr sz="2400" b="1" kern="1200">
+                          <a:solidFill>
+                            <a:schemeClr val="bg1"/>
+                          </a:solidFill>
+                          <a:latin typeface="Calibri" panose="020F0502020204030204"/>
+                        </a:defRPr>
+                      </a:lvl1pPr>
+                      <a:lvl2pPr marL="609600" algn="l" defTabSz="1219200" rtl="0" eaLnBrk="1" latinLnBrk="0" hangingPunct="1">
+                        <a:defRPr sz="2400" b="1" kern="1200">
+                          <a:solidFill>
+                            <a:schemeClr val="bg1"/>
+                          </a:solidFill>
+                          <a:latin typeface="Calibri" panose="020F0502020204030204"/>
+                        </a:defRPr>
+                      </a:lvl2pPr>
+                      <a:lvl3pPr marL="1219200" algn="l" defTabSz="1219200" rtl="0" eaLnBrk="1" latinLnBrk="0" hangingPunct="1">
+                        <a:defRPr sz="2400" b="1" kern="1200">
+                          <a:solidFill>
+                            <a:schemeClr val="bg1"/>
+                          </a:solidFill>
+                          <a:latin typeface="Calibri" panose="020F0502020204030204"/>
+                        </a:defRPr>
+                      </a:lvl3pPr>
+                      <a:lvl4pPr marL="1828800" algn="l" defTabSz="1219200" rtl="0" eaLnBrk="1" latinLnBrk="0" hangingPunct="1">
+                        <a:defRPr sz="2400" b="1" kern="1200">
+                          <a:solidFill>
+                            <a:schemeClr val="bg1"/>
+                          </a:solidFill>
+                          <a:latin typeface="Calibri" panose="020F0502020204030204"/>
+                        </a:defRPr>
+                      </a:lvl4pPr>
+                      <a:lvl5pPr marL="2438400" algn="l" defTabSz="1219200" rtl="0" eaLnBrk="1" latinLnBrk="0" hangingPunct="1">
+                        <a:defRPr sz="2400" b="1" kern="1200">
+                          <a:solidFill>
+                            <a:schemeClr val="bg1"/>
+                          </a:solidFill>
+                          <a:latin typeface="Calibri" panose="020F0502020204030204"/>
+                        </a:defRPr>
+                      </a:lvl5pPr>
+                      <a:lvl6pPr marL="3048000" algn="l" defTabSz="1219200" rtl="0" eaLnBrk="1" latinLnBrk="0" hangingPunct="1">
+                        <a:defRPr sz="2400" b="1" kern="1200">
+                          <a:solidFill>
+                            <a:schemeClr val="bg1"/>
+                          </a:solidFill>
+                          <a:latin typeface="Calibri" panose="020F0502020204030204"/>
+                        </a:defRPr>
+                      </a:lvl6pPr>
+                      <a:lvl7pPr marL="3656965" algn="l" defTabSz="1219200" rtl="0" eaLnBrk="1" latinLnBrk="0" hangingPunct="1">
+                        <a:defRPr sz="2400" b="1" kern="1200">
+                          <a:solidFill>
+                            <a:schemeClr val="bg1"/>
+                          </a:solidFill>
+                          <a:latin typeface="Calibri" panose="020F0502020204030204"/>
+                        </a:defRPr>
+                      </a:lvl7pPr>
+                      <a:lvl8pPr marL="4266565" algn="l" defTabSz="1219200" rtl="0" eaLnBrk="1" latinLnBrk="0" hangingPunct="1">
+                        <a:defRPr sz="2400" b="1" kern="1200">
+                          <a:solidFill>
+                            <a:schemeClr val="bg1"/>
+                          </a:solidFill>
+                          <a:latin typeface="Calibri" panose="020F0502020204030204"/>
+                        </a:defRPr>
+                      </a:lvl8pPr>
+                      <a:lvl9pPr marL="4876165" algn="l" defTabSz="1219200" rtl="0" eaLnBrk="1" latinLnBrk="0" hangingPunct="1">
+                        <a:defRPr sz="2400" b="1" kern="1200">
+                          <a:solidFill>
+                            <a:schemeClr val="bg1"/>
+                          </a:solidFill>
+                          <a:latin typeface="Calibri" panose="020F0502020204030204"/>
+                        </a:defRPr>
+                      </a:lvl9pPr>
+                    </a:lstStyle>
+                    <a:p>
+                      <a:pPr algn="ctr"/>
+                      <a:r>
+                        <a:rPr lang="en-US" altLang="zh-CN" sz="1200" dirty="0">
+                          <a:solidFill>
+                            <a:schemeClr val="tx1"/>
+                          </a:solidFill>
+                          <a:latin typeface="Arial" panose="020B0604020202020204" pitchFamily="34" charset="0"/>
+                          <a:ea typeface="微软雅黑" panose="020B0503020204020204" pitchFamily="34" charset="-122"/>
+                          <a:cs typeface="Arial" panose="020B0604020202020204" pitchFamily="34" charset="0"/>
+                        </a:rPr>
+                        <a:t>API Name</a:t>
+                      </a:r>
+                      <a:endParaRPr lang="zh-CN" altLang="en-US" sz="1200" dirty="0">
+                        <a:solidFill>
+                          <a:schemeClr val="tx1"/>
+                        </a:solidFill>
+                        <a:latin typeface="Arial" panose="020B0604020202020204" pitchFamily="34" charset="0"/>
+                        <a:ea typeface="微软雅黑" panose="020B0503020204020204" pitchFamily="34" charset="-122"/>
+                        <a:cs typeface="Arial" panose="020B0604020202020204" pitchFamily="34" charset="0"/>
+                      </a:endParaRPr>
+                    </a:p>
+                  </a:txBody>
+                  <a:tcPr anchor="ctr">
+                    <a:lnL w="6350" cap="flat" cmpd="sng" algn="ctr">
+                      <a:solidFill>
+                        <a:srgbClr val="666666"/>
+                      </a:solidFill>
+                      <a:prstDash val="solid"/>
+                      <a:round/>
+                      <a:headEnd type="none" w="med" len="med"/>
+                      <a:tailEnd type="none" w="med" len="med"/>
+                    </a:lnL>
+                    <a:lnR w="6350" cap="flat" cmpd="sng" algn="ctr">
+                      <a:solidFill>
+                        <a:srgbClr val="666666"/>
+                      </a:solidFill>
+                      <a:prstDash val="solid"/>
+                      <a:round/>
+                      <a:headEnd type="none" w="med" len="med"/>
+                      <a:tailEnd type="none" w="med" len="med"/>
+                    </a:lnR>
+                    <a:lnT w="6350" cap="flat" cmpd="sng" algn="ctr">
+                      <a:solidFill>
+                        <a:srgbClr val="666666"/>
+                      </a:solidFill>
+                      <a:prstDash val="solid"/>
+                      <a:round/>
+                      <a:headEnd type="none" w="med" len="med"/>
+                      <a:tailEnd type="none" w="med" len="med"/>
+                    </a:lnT>
+                    <a:lnB w="6350" cap="flat" cmpd="sng" algn="ctr">
+                      <a:solidFill>
+                        <a:srgbClr val="666666"/>
+                      </a:solidFill>
+                      <a:prstDash val="solid"/>
+                      <a:round/>
+                      <a:headEnd type="none" w="med" len="med"/>
+                      <a:tailEnd type="none" w="med" len="med"/>
+                    </a:lnB>
+                    <a:lnTlToBr w="12700" cmpd="sng">
+                      <a:noFill/>
+                      <a:prstDash val="solid"/>
+                    </a:lnTlToBr>
+                    <a:lnBlToTr w="12700" cmpd="sng">
+                      <a:noFill/>
+                      <a:prstDash val="solid"/>
+                    </a:lnBlToTr>
+                    <a:solidFill>
+                      <a:srgbClr val="FFFFFF">
+                        <a:lumMod val="95000"/>
+                      </a:srgbClr>
+                    </a:solidFill>
+                  </a:tcPr>
+                </a:tc>
+                <a:tc>
+                  <a:txBody>
+                    <a:bodyPr/>
+                    <a:lstStyle>
+                      <a:lvl1pPr marL="0" algn="l" defTabSz="1219200" rtl="0" eaLnBrk="1" latinLnBrk="0" hangingPunct="1">
+                        <a:defRPr sz="2400" b="1" kern="1200">
+                          <a:solidFill>
+                            <a:schemeClr val="bg1"/>
+                          </a:solidFill>
+                          <a:latin typeface="Calibri" panose="020F0502020204030204"/>
+                        </a:defRPr>
+                      </a:lvl1pPr>
+                      <a:lvl2pPr marL="609600" algn="l" defTabSz="1219200" rtl="0" eaLnBrk="1" latinLnBrk="0" hangingPunct="1">
+                        <a:defRPr sz="2400" b="1" kern="1200">
+                          <a:solidFill>
+                            <a:schemeClr val="bg1"/>
+                          </a:solidFill>
+                          <a:latin typeface="Calibri" panose="020F0502020204030204"/>
+                        </a:defRPr>
+                      </a:lvl2pPr>
+                      <a:lvl3pPr marL="1219200" algn="l" defTabSz="1219200" rtl="0" eaLnBrk="1" latinLnBrk="0" hangingPunct="1">
+                        <a:defRPr sz="2400" b="1" kern="1200">
+                          <a:solidFill>
+                            <a:schemeClr val="bg1"/>
+                          </a:solidFill>
+                          <a:latin typeface="Calibri" panose="020F0502020204030204"/>
+                        </a:defRPr>
+                      </a:lvl3pPr>
+                      <a:lvl4pPr marL="1828800" algn="l" defTabSz="1219200" rtl="0" eaLnBrk="1" latinLnBrk="0" hangingPunct="1">
+                        <a:defRPr sz="2400" b="1" kern="1200">
+                          <a:solidFill>
+                            <a:schemeClr val="bg1"/>
+                          </a:solidFill>
+                          <a:latin typeface="Calibri" panose="020F0502020204030204"/>
+                        </a:defRPr>
+                      </a:lvl4pPr>
+                      <a:lvl5pPr marL="2438400" algn="l" defTabSz="1219200" rtl="0" eaLnBrk="1" latinLnBrk="0" hangingPunct="1">
+                        <a:defRPr sz="2400" b="1" kern="1200">
+                          <a:solidFill>
+                            <a:schemeClr val="bg1"/>
+                          </a:solidFill>
+                          <a:latin typeface="Calibri" panose="020F0502020204030204"/>
+                        </a:defRPr>
+                      </a:lvl5pPr>
+                      <a:lvl6pPr marL="3048000" algn="l" defTabSz="1219200" rtl="0" eaLnBrk="1" latinLnBrk="0" hangingPunct="1">
+                        <a:defRPr sz="2400" b="1" kern="1200">
+                          <a:solidFill>
+                            <a:schemeClr val="bg1"/>
+                          </a:solidFill>
+                          <a:latin typeface="Calibri" panose="020F0502020204030204"/>
+                        </a:defRPr>
+                      </a:lvl6pPr>
+                      <a:lvl7pPr marL="3656965" algn="l" defTabSz="1219200" rtl="0" eaLnBrk="1" latinLnBrk="0" hangingPunct="1">
+                        <a:defRPr sz="2400" b="1" kern="1200">
+                          <a:solidFill>
+                            <a:schemeClr val="bg1"/>
+                          </a:solidFill>
+                          <a:latin typeface="Calibri" panose="020F0502020204030204"/>
+                        </a:defRPr>
+                      </a:lvl7pPr>
+                      <a:lvl8pPr marL="4266565" algn="l" defTabSz="1219200" rtl="0" eaLnBrk="1" latinLnBrk="0" hangingPunct="1">
+                        <a:defRPr sz="2400" b="1" kern="1200">
+                          <a:solidFill>
+                            <a:schemeClr val="bg1"/>
+                          </a:solidFill>
+                          <a:latin typeface="Calibri" panose="020F0502020204030204"/>
+                        </a:defRPr>
+                      </a:lvl8pPr>
+                      <a:lvl9pPr marL="4876165" algn="l" defTabSz="1219200" rtl="0" eaLnBrk="1" latinLnBrk="0" hangingPunct="1">
+                        <a:defRPr sz="2400" b="1" kern="1200">
+                          <a:solidFill>
+                            <a:schemeClr val="bg1"/>
+                          </a:solidFill>
+                          <a:latin typeface="Calibri" panose="020F0502020204030204"/>
+                        </a:defRPr>
+                      </a:lvl9pPr>
+                    </a:lstStyle>
+                    <a:p>
+                      <a:pPr algn="ctr">
+                        <a:lnSpc>
+                          <a:spcPct val="150000"/>
+                        </a:lnSpc>
+                      </a:pPr>
+                      <a:r>
+                        <a:rPr sz="1400" b="1" dirty="0">
+                          <a:solidFill>
+                            <a:srgbClr val="0000FF"/>
+                          </a:solidFill>
+                          <a:latin typeface="Arial" panose="020B0604020202020204" pitchFamily="34" charset="0"/>
+                          <a:ea typeface="微软雅黑" panose="020B0503020204020204" pitchFamily="34" charset="-122"/>
+                          <a:cs typeface="Arial" panose="020B0604020202020204" pitchFamily="34" charset="0"/>
+                        </a:rPr>
+                        <a:t>IoT SIM Fraud Prevention </a:t>
+                      </a:r>
+                      <a:r>
+                        <a:rPr lang="en-US" sz="1400" b="1" dirty="0">
+                          <a:solidFill>
+                            <a:srgbClr val="0000FF"/>
+                          </a:solidFill>
+                          <a:latin typeface="Arial" panose="020B0604020202020204" pitchFamily="34" charset="0"/>
+                          <a:ea typeface="微软雅黑" panose="020B0503020204020204" pitchFamily="34" charset="-122"/>
+                          <a:cs typeface="Arial" panose="020B0604020202020204" pitchFamily="34" charset="0"/>
+                        </a:rPr>
+                        <a:t>Bind </a:t>
+                      </a:r>
+                      <a:r>
+                        <a:rPr lang="en-US" sz="1400" b="1" dirty="0">
+                          <a:solidFill>
+                            <a:srgbClr val="0000FF"/>
+                          </a:solidFill>
+                          <a:latin typeface="Arial" panose="020B0604020202020204" pitchFamily="34" charset="0"/>
+                          <a:ea typeface="微软雅黑" panose="020B0503020204020204" pitchFamily="34" charset="-122"/>
+                          <a:cs typeface="Arial" panose="020B0604020202020204" pitchFamily="34" charset="0"/>
+                        </a:rPr>
+                        <a:t>API</a:t>
+                      </a:r>
+                      <a:endParaRPr lang="en-US" sz="1400" b="1" dirty="0">
+                        <a:solidFill>
+                          <a:srgbClr val="0000FF"/>
+                        </a:solidFill>
+                        <a:latin typeface="Arial" panose="020B0604020202020204" pitchFamily="34" charset="0"/>
+                        <a:ea typeface="微软雅黑" panose="020B0503020204020204" pitchFamily="34" charset="-122"/>
+                        <a:cs typeface="Arial" panose="020B0604020202020204" pitchFamily="34" charset="0"/>
+                      </a:endParaRPr>
+                    </a:p>
+                  </a:txBody>
+                  <a:tcPr anchor="ctr">
+                    <a:lnL w="6350" cap="flat" cmpd="sng" algn="ctr">
+                      <a:solidFill>
+                        <a:srgbClr val="666666"/>
+                      </a:solidFill>
+                      <a:prstDash val="solid"/>
+                      <a:round/>
+                      <a:headEnd type="none" w="med" len="med"/>
+                      <a:tailEnd type="none" w="med" len="med"/>
+                    </a:lnL>
+                    <a:lnR w="6350" cap="flat" cmpd="sng" algn="ctr">
+                      <a:solidFill>
+                        <a:srgbClr val="666666"/>
+                      </a:solidFill>
+                      <a:prstDash val="solid"/>
+                      <a:round/>
+                      <a:headEnd type="none" w="med" len="med"/>
+                      <a:tailEnd type="none" w="med" len="med"/>
+                    </a:lnR>
+                    <a:lnT w="6350" cap="flat" cmpd="sng" algn="ctr">
+                      <a:solidFill>
+                        <a:srgbClr val="666666"/>
+                      </a:solidFill>
+                      <a:prstDash val="solid"/>
+                      <a:round/>
+                      <a:headEnd type="none" w="med" len="med"/>
+                      <a:tailEnd type="none" w="med" len="med"/>
+                    </a:lnT>
+                    <a:lnB w="6350" cap="flat" cmpd="sng" algn="ctr">
+                      <a:solidFill>
+                        <a:srgbClr val="666666"/>
+                      </a:solidFill>
+                      <a:prstDash val="solid"/>
+                      <a:round/>
+                      <a:headEnd type="none" w="med" len="med"/>
+                      <a:tailEnd type="none" w="med" len="med"/>
+                    </a:lnB>
+                    <a:lnTlToBr w="12700" cmpd="sng">
+                      <a:noFill/>
+                      <a:prstDash val="solid"/>
+                    </a:lnTlToBr>
+                    <a:lnBlToTr w="12700" cmpd="sng">
+                      <a:noFill/>
+                      <a:prstDash val="solid"/>
+                    </a:lnBlToTr>
+                    <a:solidFill>
+                      <a:srgbClr val="FFFFFF">
+                        <a:lumMod val="95000"/>
+                      </a:srgbClr>
+                    </a:solidFill>
+                  </a:tcPr>
+                </a:tc>
+              </a:tr>
+              <a:tr h="640080">
+                <a:tc>
+                  <a:txBody>
+                    <a:bodyPr/>
+                    <a:lstStyle>
+                      <a:lvl1pPr marL="0" algn="l" defTabSz="1219200" rtl="0" eaLnBrk="1" latinLnBrk="0" hangingPunct="1">
+                        <a:defRPr sz="2400" kern="1200">
+                          <a:solidFill>
+                            <a:schemeClr val="tx1"/>
+                          </a:solidFill>
+                          <a:latin typeface="Calibri" panose="020F0502020204030204"/>
+                        </a:defRPr>
+                      </a:lvl1pPr>
+                      <a:lvl2pPr marL="609600" algn="l" defTabSz="1219200" rtl="0" eaLnBrk="1" latinLnBrk="0" hangingPunct="1">
+                        <a:defRPr sz="2400" kern="1200">
+                          <a:solidFill>
+                            <a:schemeClr val="tx1"/>
+                          </a:solidFill>
+                          <a:latin typeface="Calibri" panose="020F0502020204030204"/>
+                        </a:defRPr>
+                      </a:lvl2pPr>
+                      <a:lvl3pPr marL="1219200" algn="l" defTabSz="1219200" rtl="0" eaLnBrk="1" latinLnBrk="0" hangingPunct="1">
+                        <a:defRPr sz="2400" kern="1200">
+                          <a:solidFill>
+                            <a:schemeClr val="tx1"/>
+                          </a:solidFill>
+                          <a:latin typeface="Calibri" panose="020F0502020204030204"/>
+                        </a:defRPr>
+                      </a:lvl3pPr>
+                      <a:lvl4pPr marL="1828800" algn="l" defTabSz="1219200" rtl="0" eaLnBrk="1" latinLnBrk="0" hangingPunct="1">
+                        <a:defRPr sz="2400" kern="1200">
+                          <a:solidFill>
+                            <a:schemeClr val="tx1"/>
+                          </a:solidFill>
+                          <a:latin typeface="Calibri" panose="020F0502020204030204"/>
+                        </a:defRPr>
+                      </a:lvl4pPr>
+                      <a:lvl5pPr marL="2438400" algn="l" defTabSz="1219200" rtl="0" eaLnBrk="1" latinLnBrk="0" hangingPunct="1">
+                        <a:defRPr sz="2400" kern="1200">
+                          <a:solidFill>
+                            <a:schemeClr val="tx1"/>
+                          </a:solidFill>
+                          <a:latin typeface="Calibri" panose="020F0502020204030204"/>
+                        </a:defRPr>
+                      </a:lvl5pPr>
+                      <a:lvl6pPr marL="3048000" algn="l" defTabSz="1219200" rtl="0" eaLnBrk="1" latinLnBrk="0" hangingPunct="1">
+                        <a:defRPr sz="2400" kern="1200">
+                          <a:solidFill>
+                            <a:schemeClr val="tx1"/>
+                          </a:solidFill>
+                          <a:latin typeface="Calibri" panose="020F0502020204030204"/>
+                        </a:defRPr>
+                      </a:lvl6pPr>
+                      <a:lvl7pPr marL="3656965" algn="l" defTabSz="1219200" rtl="0" eaLnBrk="1" latinLnBrk="0" hangingPunct="1">
+                        <a:defRPr sz="2400" kern="1200">
+                          <a:solidFill>
+                            <a:schemeClr val="tx1"/>
+                          </a:solidFill>
+                          <a:latin typeface="Calibri" panose="020F0502020204030204"/>
+                        </a:defRPr>
+                      </a:lvl7pPr>
+                      <a:lvl8pPr marL="4266565" algn="l" defTabSz="1219200" rtl="0" eaLnBrk="1" latinLnBrk="0" hangingPunct="1">
+                        <a:defRPr sz="2400" kern="1200">
+                          <a:solidFill>
+                            <a:schemeClr val="tx1"/>
+                          </a:solidFill>
+                          <a:latin typeface="Calibri" panose="020F0502020204030204"/>
+                        </a:defRPr>
+                      </a:lvl8pPr>
+                      <a:lvl9pPr marL="4876165" algn="l" defTabSz="1219200" rtl="0" eaLnBrk="1" latinLnBrk="0" hangingPunct="1">
+                        <a:defRPr sz="2400" kern="1200">
+                          <a:solidFill>
+                            <a:schemeClr val="tx1"/>
+                          </a:solidFill>
+                          <a:latin typeface="Calibri" panose="020F0502020204030204"/>
+                        </a:defRPr>
+                      </a:lvl9pPr>
+                    </a:lstStyle>
+                    <a:p>
+                      <a:pPr algn="ctr"/>
+                      <a:r>
+                        <a:rPr lang="en-US" altLang="zh-CN" sz="1200" b="1" dirty="0">
+                          <a:solidFill>
+                            <a:schemeClr val="tx1"/>
+                          </a:solidFill>
+                          <a:latin typeface="Arial" panose="020B0604020202020204" pitchFamily="34" charset="0"/>
+                          <a:ea typeface="微软雅黑" panose="020B0503020204020204" pitchFamily="34" charset="-122"/>
+                          <a:cs typeface="Arial" panose="020B0604020202020204" pitchFamily="34" charset="0"/>
+                        </a:rPr>
+                        <a:t>Description</a:t>
+                      </a:r>
+                      <a:endParaRPr lang="zh-CN" altLang="en-US" sz="1200" b="1" dirty="0">
+                        <a:solidFill>
+                          <a:schemeClr val="tx1"/>
+                        </a:solidFill>
+                        <a:latin typeface="Arial" panose="020B0604020202020204" pitchFamily="34" charset="0"/>
+                        <a:ea typeface="微软雅黑" panose="020B0503020204020204" pitchFamily="34" charset="-122"/>
+                        <a:cs typeface="Arial" panose="020B0604020202020204" pitchFamily="34" charset="0"/>
+                      </a:endParaRPr>
+                    </a:p>
+                  </a:txBody>
+                  <a:tcPr anchor="ctr">
+                    <a:lnL w="6350" cap="flat" cmpd="sng" algn="ctr">
+                      <a:solidFill>
+                        <a:srgbClr val="666666"/>
+                      </a:solidFill>
+                      <a:prstDash val="solid"/>
+                      <a:round/>
+                      <a:headEnd type="none" w="med" len="med"/>
+                      <a:tailEnd type="none" w="med" len="med"/>
+                    </a:lnL>
+                    <a:lnR w="12700" cap="flat" cmpd="sng" algn="ctr">
+                      <a:solidFill>
+                        <a:srgbClr val="DDDDDD"/>
+                      </a:solidFill>
+                      <a:prstDash val="solid"/>
+                      <a:round/>
+                      <a:headEnd type="none" w="med" len="med"/>
+                      <a:tailEnd type="none" w="med" len="med"/>
+                    </a:lnR>
+                    <a:lnT w="6350" cap="flat" cmpd="sng" algn="ctr">
+                      <a:solidFill>
+                        <a:srgbClr val="666666"/>
+                      </a:solidFill>
+                      <a:prstDash val="solid"/>
+                      <a:round/>
+                      <a:headEnd type="none" w="med" len="med"/>
+                      <a:tailEnd type="none" w="med" len="med"/>
+                    </a:lnT>
+                    <a:lnB w="12700" cap="flat" cmpd="sng" algn="ctr">
+                      <a:solidFill>
+                        <a:srgbClr val="DDDDDD"/>
+                      </a:solidFill>
+                      <a:prstDash val="solid"/>
+                      <a:round/>
+                      <a:headEnd type="none" w="med" len="med"/>
+                      <a:tailEnd type="none" w="med" len="med"/>
+                    </a:lnB>
+                    <a:lnTlToBr w="12700" cmpd="sng">
+                      <a:noFill/>
+                      <a:prstDash val="solid"/>
+                    </a:lnTlToBr>
+                    <a:lnBlToTr w="12700" cmpd="sng">
+                      <a:noFill/>
+                      <a:prstDash val="solid"/>
+                    </a:lnBlToTr>
+                    <a:noFill/>
+                  </a:tcPr>
+                </a:tc>
+                <a:tc>
+                  <a:txBody>
+                    <a:bodyPr/>
+                    <a:lstStyle>
+                      <a:lvl1pPr marL="0" algn="l" defTabSz="1219200" rtl="0" eaLnBrk="1" latinLnBrk="0" hangingPunct="1">
+                        <a:defRPr sz="2400" kern="1200">
+                          <a:solidFill>
+                            <a:schemeClr val="tx1"/>
+                          </a:solidFill>
+                          <a:latin typeface="Calibri" panose="020F0502020204030204"/>
+                        </a:defRPr>
+                      </a:lvl1pPr>
+                      <a:lvl2pPr marL="609600" algn="l" defTabSz="1219200" rtl="0" eaLnBrk="1" latinLnBrk="0" hangingPunct="1">
+                        <a:defRPr sz="2400" kern="1200">
+                          <a:solidFill>
+                            <a:schemeClr val="tx1"/>
+                          </a:solidFill>
+                          <a:latin typeface="Calibri" panose="020F0502020204030204"/>
+                        </a:defRPr>
+                      </a:lvl2pPr>
+                      <a:lvl3pPr marL="1219200" algn="l" defTabSz="1219200" rtl="0" eaLnBrk="1" latinLnBrk="0" hangingPunct="1">
+                        <a:defRPr sz="2400" kern="1200">
+                          <a:solidFill>
+                            <a:schemeClr val="tx1"/>
+                          </a:solidFill>
+                          <a:latin typeface="Calibri" panose="020F0502020204030204"/>
+                        </a:defRPr>
+                      </a:lvl3pPr>
+                      <a:lvl4pPr marL="1828800" algn="l" defTabSz="1219200" rtl="0" eaLnBrk="1" latinLnBrk="0" hangingPunct="1">
+                        <a:defRPr sz="2400" kern="1200">
+                          <a:solidFill>
+                            <a:schemeClr val="tx1"/>
+                          </a:solidFill>
+                          <a:latin typeface="Calibri" panose="020F0502020204030204"/>
+                        </a:defRPr>
+                      </a:lvl4pPr>
+                      <a:lvl5pPr marL="2438400" algn="l" defTabSz="1219200" rtl="0" eaLnBrk="1" latinLnBrk="0" hangingPunct="1">
+                        <a:defRPr sz="2400" kern="1200">
+                          <a:solidFill>
+                            <a:schemeClr val="tx1"/>
+                          </a:solidFill>
+                          <a:latin typeface="Calibri" panose="020F0502020204030204"/>
+                        </a:defRPr>
+                      </a:lvl5pPr>
+                      <a:lvl6pPr marL="3048000" algn="l" defTabSz="1219200" rtl="0" eaLnBrk="1" latinLnBrk="0" hangingPunct="1">
+                        <a:defRPr sz="2400" kern="1200">
+                          <a:solidFill>
+                            <a:schemeClr val="tx1"/>
+                          </a:solidFill>
+                          <a:latin typeface="Calibri" panose="020F0502020204030204"/>
+                        </a:defRPr>
+                      </a:lvl6pPr>
+                      <a:lvl7pPr marL="3656965" algn="l" defTabSz="1219200" rtl="0" eaLnBrk="1" latinLnBrk="0" hangingPunct="1">
+                        <a:defRPr sz="2400" kern="1200">
+                          <a:solidFill>
+                            <a:schemeClr val="tx1"/>
+                          </a:solidFill>
+                          <a:latin typeface="Calibri" panose="020F0502020204030204"/>
+                        </a:defRPr>
+                      </a:lvl7pPr>
+                      <a:lvl8pPr marL="4266565" algn="l" defTabSz="1219200" rtl="0" eaLnBrk="1" latinLnBrk="0" hangingPunct="1">
+                        <a:defRPr sz="2400" kern="1200">
+                          <a:solidFill>
+                            <a:schemeClr val="tx1"/>
+                          </a:solidFill>
+                          <a:latin typeface="Calibri" panose="020F0502020204030204"/>
+                        </a:defRPr>
+                      </a:lvl8pPr>
+                      <a:lvl9pPr marL="4876165" algn="l" defTabSz="1219200" rtl="0" eaLnBrk="1" latinLnBrk="0" hangingPunct="1">
+                        <a:defRPr sz="2400" kern="1200">
+                          <a:solidFill>
+                            <a:schemeClr val="tx1"/>
+                          </a:solidFill>
+                          <a:latin typeface="Calibri" panose="020F0502020204030204"/>
+                        </a:defRPr>
+                      </a:lvl9pPr>
+                    </a:lstStyle>
+                    <a:p>
+                      <a:pPr algn="l"/>
+                      <a:r>
+                        <a:rPr lang="en-US" altLang="zh-CN" sz="1200" dirty="0">
+                          <a:latin typeface="Arial" panose="020B0604020202020204" pitchFamily="34" charset="0"/>
+                          <a:ea typeface="微软雅黑" panose="020B0503020204020204" pitchFamily="34" charset="-122"/>
+                          <a:cs typeface="Arial" panose="020B0604020202020204" pitchFamily="34" charset="0"/>
+                          <a:sym typeface="+mn-ea"/>
+                        </a:rPr>
+                        <a:t>This API allows enterprise customers to bind imei or area to the card, when the imei or area is not match with the bind information, operator will block the network, when the imei or area is match, resume the network.</a:t>
+                      </a:r>
+                      <a:endParaRPr lang="en-US" altLang="zh-CN" sz="1200" dirty="0">
+                        <a:latin typeface="Arial" panose="020B0604020202020204" pitchFamily="34" charset="0"/>
+                        <a:ea typeface="微软雅黑" panose="020B0503020204020204" pitchFamily="34" charset="-122"/>
+                        <a:cs typeface="Arial" panose="020B0604020202020204" pitchFamily="34" charset="0"/>
+                        <a:sym typeface="+mn-ea"/>
+                      </a:endParaRPr>
+                    </a:p>
+                  </a:txBody>
+                  <a:tcPr anchor="ctr">
+                    <a:lnL w="12700" cap="flat" cmpd="sng" algn="ctr">
+                      <a:solidFill>
+                        <a:srgbClr val="DDDDDD"/>
+                      </a:solidFill>
+                      <a:prstDash val="solid"/>
+                      <a:round/>
+                      <a:headEnd type="none" w="med" len="med"/>
+                      <a:tailEnd type="none" w="med" len="med"/>
+                    </a:lnL>
+                    <a:lnR w="6350" cap="flat" cmpd="sng" algn="ctr">
+                      <a:solidFill>
+                        <a:srgbClr val="666666"/>
+                      </a:solidFill>
+                      <a:prstDash val="solid"/>
+                      <a:round/>
+                      <a:headEnd type="none" w="med" len="med"/>
+                      <a:tailEnd type="none" w="med" len="med"/>
+                    </a:lnR>
+                    <a:lnT w="6350" cap="flat" cmpd="sng" algn="ctr">
+                      <a:solidFill>
+                        <a:srgbClr val="666666"/>
+                      </a:solidFill>
+                      <a:prstDash val="solid"/>
+                      <a:round/>
+                      <a:headEnd type="none" w="med" len="med"/>
+                      <a:tailEnd type="none" w="med" len="med"/>
+                    </a:lnT>
+                    <a:lnB w="12700" cap="flat" cmpd="sng" algn="ctr">
+                      <a:solidFill>
+                        <a:srgbClr val="DDDDDD"/>
+                      </a:solidFill>
+                      <a:prstDash val="solid"/>
+                      <a:round/>
+                      <a:headEnd type="none" w="med" len="med"/>
+                      <a:tailEnd type="none" w="med" len="med"/>
+                    </a:lnB>
+                    <a:lnTlToBr w="12700" cmpd="sng">
+                      <a:noFill/>
+                      <a:prstDash val="solid"/>
+                    </a:lnTlToBr>
+                    <a:lnBlToTr w="12700" cmpd="sng">
+                      <a:noFill/>
+                      <a:prstDash val="solid"/>
+                    </a:lnBlToTr>
+                    <a:noFill/>
+                  </a:tcPr>
+                </a:tc>
+              </a:tr>
+              <a:tr h="388620">
+                <a:tc rowSpan="6">
+                  <a:txBody>
+                    <a:bodyPr/>
+                    <a:lstStyle>
+                      <a:lvl1pPr marL="0" algn="l" defTabSz="1219200" rtl="0" eaLnBrk="1" latinLnBrk="0" hangingPunct="1">
+                        <a:defRPr sz="2400" kern="1200">
+                          <a:solidFill>
+                            <a:schemeClr val="tx1"/>
+                          </a:solidFill>
+                          <a:latin typeface="Calibri" panose="020F0502020204030204"/>
+                        </a:defRPr>
+                      </a:lvl1pPr>
+                      <a:lvl2pPr marL="609600" algn="l" defTabSz="1219200" rtl="0" eaLnBrk="1" latinLnBrk="0" hangingPunct="1">
+                        <a:defRPr sz="2400" kern="1200">
+                          <a:solidFill>
+                            <a:schemeClr val="tx1"/>
+                          </a:solidFill>
+                          <a:latin typeface="Calibri" panose="020F0502020204030204"/>
+                        </a:defRPr>
+                      </a:lvl2pPr>
+                      <a:lvl3pPr marL="1219200" algn="l" defTabSz="1219200" rtl="0" eaLnBrk="1" latinLnBrk="0" hangingPunct="1">
+                        <a:defRPr sz="2400" kern="1200">
+                          <a:solidFill>
+                            <a:schemeClr val="tx1"/>
+                          </a:solidFill>
+                          <a:latin typeface="Calibri" panose="020F0502020204030204"/>
+                        </a:defRPr>
+                      </a:lvl3pPr>
+                      <a:lvl4pPr marL="1828800" algn="l" defTabSz="1219200" rtl="0" eaLnBrk="1" latinLnBrk="0" hangingPunct="1">
+                        <a:defRPr sz="2400" kern="1200">
+                          <a:solidFill>
+                            <a:schemeClr val="tx1"/>
+                          </a:solidFill>
+                          <a:latin typeface="Calibri" panose="020F0502020204030204"/>
+                        </a:defRPr>
+                      </a:lvl4pPr>
+                      <a:lvl5pPr marL="2438400" algn="l" defTabSz="1219200" rtl="0" eaLnBrk="1" latinLnBrk="0" hangingPunct="1">
+                        <a:defRPr sz="2400" kern="1200">
+                          <a:solidFill>
+                            <a:schemeClr val="tx1"/>
+                          </a:solidFill>
+                          <a:latin typeface="Calibri" panose="020F0502020204030204"/>
+                        </a:defRPr>
+                      </a:lvl5pPr>
+                      <a:lvl6pPr marL="3048000" algn="l" defTabSz="1219200" rtl="0" eaLnBrk="1" latinLnBrk="0" hangingPunct="1">
+                        <a:defRPr sz="2400" kern="1200">
+                          <a:solidFill>
+                            <a:schemeClr val="tx1"/>
+                          </a:solidFill>
+                          <a:latin typeface="Calibri" panose="020F0502020204030204"/>
+                        </a:defRPr>
+                      </a:lvl6pPr>
+                      <a:lvl7pPr marL="3656965" algn="l" defTabSz="1219200" rtl="0" eaLnBrk="1" latinLnBrk="0" hangingPunct="1">
+                        <a:defRPr sz="2400" kern="1200">
+                          <a:solidFill>
+                            <a:schemeClr val="tx1"/>
+                          </a:solidFill>
+                          <a:latin typeface="Calibri" panose="020F0502020204030204"/>
+                        </a:defRPr>
+                      </a:lvl7pPr>
+                      <a:lvl8pPr marL="4266565" algn="l" defTabSz="1219200" rtl="0" eaLnBrk="1" latinLnBrk="0" hangingPunct="1">
+                        <a:defRPr sz="2400" kern="1200">
+                          <a:solidFill>
+                            <a:schemeClr val="tx1"/>
+                          </a:solidFill>
+                          <a:latin typeface="Calibri" panose="020F0502020204030204"/>
+                        </a:defRPr>
+                      </a:lvl8pPr>
+                      <a:lvl9pPr marL="4876165" algn="l" defTabSz="1219200" rtl="0" eaLnBrk="1" latinLnBrk="0" hangingPunct="1">
+                        <a:defRPr sz="2400" kern="1200">
+                          <a:solidFill>
+                            <a:schemeClr val="tx1"/>
+                          </a:solidFill>
+                          <a:latin typeface="Calibri" panose="020F0502020204030204"/>
+                        </a:defRPr>
+                      </a:lvl9pPr>
+                    </a:lstStyle>
+                    <a:p>
+                      <a:pPr algn="ctr"/>
+                      <a:r>
+                        <a:rPr lang="en-US" altLang="zh-CN" sz="1200" b="1" dirty="0">
+                          <a:latin typeface="Arial" panose="020B0604020202020204" pitchFamily="34" charset="0"/>
+                          <a:ea typeface="微软雅黑" panose="020B0503020204020204" pitchFamily="34" charset="-122"/>
+                          <a:cs typeface="Arial" panose="020B0604020202020204" pitchFamily="34" charset="0"/>
+                        </a:rPr>
+                        <a:t>Input Parameters</a:t>
+                      </a:r>
+                      <a:endParaRPr lang="zh-CN" altLang="en-US" sz="1200" b="1" dirty="0">
+                        <a:latin typeface="Arial" panose="020B0604020202020204" pitchFamily="34" charset="0"/>
+                        <a:cs typeface="Arial" panose="020B0604020202020204" pitchFamily="34" charset="0"/>
+                      </a:endParaRPr>
+                    </a:p>
+                  </a:txBody>
+                  <a:tcPr anchor="ctr">
+                    <a:lnL w="6350" cap="flat" cmpd="sng" algn="ctr">
+                      <a:solidFill>
+                        <a:srgbClr val="666666"/>
+                      </a:solidFill>
+                      <a:prstDash val="solid"/>
+                      <a:round/>
+                      <a:headEnd type="none" w="med" len="med"/>
+                      <a:tailEnd type="none" w="med" len="med"/>
+                    </a:lnL>
+                    <a:lnR w="12700" cap="flat" cmpd="sng" algn="ctr">
+                      <a:solidFill>
+                        <a:srgbClr val="DDDDDD"/>
+                      </a:solidFill>
+                      <a:prstDash val="solid"/>
+                      <a:round/>
+                      <a:headEnd type="none" w="med" len="med"/>
+                      <a:tailEnd type="none" w="med" len="med"/>
+                    </a:lnR>
+                    <a:lnT w="12700" cap="flat" cmpd="sng" algn="ctr">
+                      <a:solidFill>
+                        <a:srgbClr val="DDDDDD"/>
+                      </a:solidFill>
+                      <a:prstDash val="solid"/>
+                      <a:round/>
+                      <a:headEnd type="none" w="med" len="med"/>
+                      <a:tailEnd type="none" w="med" len="med"/>
+                    </a:lnT>
+                    <a:lnB w="12700" cap="flat" cmpd="sng" algn="ctr">
+                      <a:solidFill>
+                        <a:srgbClr val="DDDDDD"/>
+                      </a:solidFill>
+                      <a:prstDash val="solid"/>
+                      <a:round/>
+                      <a:headEnd type="none" w="med" len="med"/>
+                      <a:tailEnd type="none" w="med" len="med"/>
+                    </a:lnB>
+                    <a:lnTlToBr w="12700" cmpd="sng">
+                      <a:noFill/>
+                      <a:prstDash val="solid"/>
+                    </a:lnTlToBr>
+                    <a:lnBlToTr w="12700" cmpd="sng">
+                      <a:noFill/>
+                      <a:prstDash val="solid"/>
+                    </a:lnBlToTr>
+                    <a:noFill/>
+                  </a:tcPr>
+                </a:tc>
+                <a:tc>
+                  <a:txBody>
+                    <a:bodyPr/>
+                    <a:lstStyle>
+                      <a:lvl1pPr marL="0" algn="l" defTabSz="1219200" rtl="0" eaLnBrk="1" latinLnBrk="0" hangingPunct="1">
+                        <a:defRPr sz="2400" kern="1200">
+                          <a:solidFill>
+                            <a:schemeClr val="tx1"/>
+                          </a:solidFill>
+                          <a:latin typeface="Calibri" panose="020F0502020204030204"/>
+                        </a:defRPr>
+                      </a:lvl1pPr>
+                      <a:lvl2pPr marL="609600" algn="l" defTabSz="1219200" rtl="0" eaLnBrk="1" latinLnBrk="0" hangingPunct="1">
+                        <a:defRPr sz="2400" kern="1200">
+                          <a:solidFill>
+                            <a:schemeClr val="tx1"/>
+                          </a:solidFill>
+                          <a:latin typeface="Calibri" panose="020F0502020204030204"/>
+                        </a:defRPr>
+                      </a:lvl2pPr>
+                      <a:lvl3pPr marL="1219200" algn="l" defTabSz="1219200" rtl="0" eaLnBrk="1" latinLnBrk="0" hangingPunct="1">
+                        <a:defRPr sz="2400" kern="1200">
+                          <a:solidFill>
+                            <a:schemeClr val="tx1"/>
+                          </a:solidFill>
+                          <a:latin typeface="Calibri" panose="020F0502020204030204"/>
+                        </a:defRPr>
+                      </a:lvl3pPr>
+                      <a:lvl4pPr marL="1828800" algn="l" defTabSz="1219200" rtl="0" eaLnBrk="1" latinLnBrk="0" hangingPunct="1">
+                        <a:defRPr sz="2400" kern="1200">
+                          <a:solidFill>
+                            <a:schemeClr val="tx1"/>
+                          </a:solidFill>
+                          <a:latin typeface="Calibri" panose="020F0502020204030204"/>
+                        </a:defRPr>
+                      </a:lvl4pPr>
+                      <a:lvl5pPr marL="2438400" algn="l" defTabSz="1219200" rtl="0" eaLnBrk="1" latinLnBrk="0" hangingPunct="1">
+                        <a:defRPr sz="2400" kern="1200">
+                          <a:solidFill>
+                            <a:schemeClr val="tx1"/>
+                          </a:solidFill>
+                          <a:latin typeface="Calibri" panose="020F0502020204030204"/>
+                        </a:defRPr>
+                      </a:lvl5pPr>
+                      <a:lvl6pPr marL="3048000" algn="l" defTabSz="1219200" rtl="0" eaLnBrk="1" latinLnBrk="0" hangingPunct="1">
+                        <a:defRPr sz="2400" kern="1200">
+                          <a:solidFill>
+                            <a:schemeClr val="tx1"/>
+                          </a:solidFill>
+                          <a:latin typeface="Calibri" panose="020F0502020204030204"/>
+                        </a:defRPr>
+                      </a:lvl6pPr>
+                      <a:lvl7pPr marL="3656965" algn="l" defTabSz="1219200" rtl="0" eaLnBrk="1" latinLnBrk="0" hangingPunct="1">
+                        <a:defRPr sz="2400" kern="1200">
+                          <a:solidFill>
+                            <a:schemeClr val="tx1"/>
+                          </a:solidFill>
+                          <a:latin typeface="Calibri" panose="020F0502020204030204"/>
+                        </a:defRPr>
+                      </a:lvl7pPr>
+                      <a:lvl8pPr marL="4266565" algn="l" defTabSz="1219200" rtl="0" eaLnBrk="1" latinLnBrk="0" hangingPunct="1">
+                        <a:defRPr sz="2400" kern="1200">
+                          <a:solidFill>
+                            <a:schemeClr val="tx1"/>
+                          </a:solidFill>
+                          <a:latin typeface="Calibri" panose="020F0502020204030204"/>
+                        </a:defRPr>
+                      </a:lvl8pPr>
+                      <a:lvl9pPr marL="4876165" algn="l" defTabSz="1219200" rtl="0" eaLnBrk="1" latinLnBrk="0" hangingPunct="1">
+                        <a:defRPr sz="2400" kern="1200">
+                          <a:solidFill>
+                            <a:schemeClr val="tx1"/>
+                          </a:solidFill>
+                          <a:latin typeface="Calibri" panose="020F0502020204030204"/>
+                        </a:defRPr>
+                      </a:lvl9pPr>
+                    </a:lstStyle>
+                    <a:p>
+                      <a:pPr marL="285750" indent="-285750" algn="l">
+                        <a:lnSpc>
+                          <a:spcPct val="120000"/>
+                        </a:lnSpc>
+                        <a:buFont typeface="Arial" panose="020B0604020202020204" pitchFamily="34" charset="0"/>
+                        <a:buChar char="•"/>
+                      </a:pPr>
+                      <a:r>
+                        <a:rPr lang="en-US" altLang="zh-CN" sz="1200" spc="-10" dirty="0">
+                          <a:solidFill>
+                            <a:srgbClr val="0070C0"/>
+                          </a:solidFill>
+                          <a:latin typeface="微软雅黑" panose="020B0503020204020204" pitchFamily="34" charset="-122"/>
+                          <a:cs typeface="Arial" panose="020B0604020202020204" pitchFamily="34" charset="0"/>
+                          <a:sym typeface="+mn-ea"/>
+                        </a:rPr>
+                        <a:t>device</a:t>
+                      </a:r>
+                      <a:r>
+                        <a:rPr lang="en-US" altLang="zh-CN" sz="1200" dirty="0">
+                          <a:latin typeface="Arial" panose="020B0604020202020204" pitchFamily="34" charset="0"/>
+                          <a:ea typeface="微软雅黑" panose="020B0503020204020204" pitchFamily="34" charset="-122"/>
+                          <a:cs typeface="Arial" panose="020B0604020202020204" pitchFamily="34" charset="0"/>
+                          <a:sym typeface="+mn-ea"/>
+                        </a:rPr>
+                        <a:t>(Device)</a:t>
+                      </a:r>
+                      <a:r>
+                        <a:rPr lang="zh-CN" altLang="en-US" sz="1200" b="0" kern="1200" dirty="0">
+                          <a:solidFill>
+                            <a:schemeClr val="tx1"/>
+                          </a:solidFill>
+                          <a:latin typeface="Arial" panose="020B0604020202020204" pitchFamily="34" charset="0"/>
+                          <a:ea typeface="微软雅黑" panose="020B0503020204020204" pitchFamily="34" charset="-122"/>
+                          <a:cs typeface="Arial" panose="020B0604020202020204" pitchFamily="34" charset="0"/>
+                        </a:rPr>
+                        <a:t>：</a:t>
+                      </a:r>
+                      <a:r>
+                        <a:rPr lang="en-US" altLang="zh-CN" sz="1200" b="0" kern="1200" dirty="0">
+                          <a:solidFill>
+                            <a:schemeClr val="tx1"/>
+                          </a:solidFill>
+                          <a:latin typeface="Arial" panose="020B0604020202020204" pitchFamily="34" charset="0"/>
+                          <a:ea typeface="微软雅黑" panose="020B0503020204020204" pitchFamily="34" charset="-122"/>
+                          <a:cs typeface="Arial" panose="020B0604020202020204" pitchFamily="34" charset="0"/>
+                        </a:rPr>
+                        <a:t>The developer can choose to provide the below specified device identifiers: ipv4Address, ipv6Address, phoneNumber,networkAccessIdentifier.</a:t>
+                      </a:r>
+                      <a:endParaRPr lang="en-US" altLang="zh-CN" sz="1200" b="0" kern="1200" dirty="0">
+                        <a:solidFill>
+                          <a:schemeClr val="tx1"/>
+                        </a:solidFill>
+                        <a:latin typeface="Arial" panose="020B0604020202020204" pitchFamily="34" charset="0"/>
+                        <a:ea typeface="微软雅黑" panose="020B0503020204020204" pitchFamily="34" charset="-122"/>
+                        <a:cs typeface="Arial" panose="020B0604020202020204" pitchFamily="34" charset="0"/>
+                      </a:endParaRPr>
+                    </a:p>
+                  </a:txBody>
+                  <a:tcPr anchor="ctr">
+                    <a:lnL w="12700" cap="flat" cmpd="sng" algn="ctr">
+                      <a:solidFill>
+                        <a:srgbClr val="DDDDDD"/>
+                      </a:solidFill>
+                      <a:prstDash val="solid"/>
+                      <a:round/>
+                      <a:headEnd type="none" w="med" len="med"/>
+                      <a:tailEnd type="none" w="med" len="med"/>
+                    </a:lnL>
+                    <a:lnR w="6350" cap="flat" cmpd="sng" algn="ctr">
+                      <a:solidFill>
+                        <a:srgbClr val="666666"/>
+                      </a:solidFill>
+                      <a:prstDash val="solid"/>
+                      <a:round/>
+                      <a:headEnd type="none" w="med" len="med"/>
+                      <a:tailEnd type="none" w="med" len="med"/>
+                    </a:lnR>
+                    <a:lnT w="12700" cap="flat" cmpd="sng" algn="ctr">
+                      <a:solidFill>
+                        <a:srgbClr val="DDDDDD"/>
+                      </a:solidFill>
+                      <a:prstDash val="solid"/>
+                      <a:round/>
+                      <a:headEnd type="none" w="med" len="med"/>
+                      <a:tailEnd type="none" w="med" len="med"/>
+                    </a:lnT>
+                    <a:lnB w="12700" cap="flat" cmpd="sng" algn="ctr">
+                      <a:solidFill>
+                        <a:srgbClr val="DDDDDD"/>
+                      </a:solidFill>
+                      <a:prstDash val="solid"/>
+                      <a:round/>
+                      <a:headEnd type="none" w="med" len="med"/>
+                      <a:tailEnd type="none" w="med" len="med"/>
+                    </a:lnB>
+                    <a:lnTlToBr w="12700" cmpd="sng">
+                      <a:noFill/>
+                      <a:prstDash val="solid"/>
+                    </a:lnTlToBr>
+                    <a:lnBlToTr w="12700" cmpd="sng">
+                      <a:noFill/>
+                      <a:prstDash val="solid"/>
+                    </a:lnBlToTr>
+                    <a:noFill/>
+                  </a:tcPr>
+                </a:tc>
+              </a:tr>
+              <a:tr h="509270">
+                <a:tc vMerge="1">
+                  <a:tcPr/>
+                </a:tc>
+                <a:tc>
+                  <a:txBody>
+                    <a:bodyPr/>
+                    <a:lstStyle>
+                      <a:lvl1pPr marL="0" algn="l" defTabSz="1219200" rtl="0" eaLnBrk="1" latinLnBrk="0" hangingPunct="1">
+                        <a:defRPr sz="2400" kern="1200">
+                          <a:solidFill>
+                            <a:schemeClr val="tx1"/>
+                          </a:solidFill>
+                          <a:latin typeface="Calibri" panose="020F0502020204030204"/>
+                        </a:defRPr>
+                      </a:lvl1pPr>
+                      <a:lvl2pPr marL="609600" algn="l" defTabSz="1219200" rtl="0" eaLnBrk="1" latinLnBrk="0" hangingPunct="1">
+                        <a:defRPr sz="2400" kern="1200">
+                          <a:solidFill>
+                            <a:schemeClr val="tx1"/>
+                          </a:solidFill>
+                          <a:latin typeface="Calibri" panose="020F0502020204030204"/>
+                        </a:defRPr>
+                      </a:lvl2pPr>
+                      <a:lvl3pPr marL="1219200" algn="l" defTabSz="1219200" rtl="0" eaLnBrk="1" latinLnBrk="0" hangingPunct="1">
+                        <a:defRPr sz="2400" kern="1200">
+                          <a:solidFill>
+                            <a:schemeClr val="tx1"/>
+                          </a:solidFill>
+                          <a:latin typeface="Calibri" panose="020F0502020204030204"/>
+                        </a:defRPr>
+                      </a:lvl3pPr>
+                      <a:lvl4pPr marL="1828800" algn="l" defTabSz="1219200" rtl="0" eaLnBrk="1" latinLnBrk="0" hangingPunct="1">
+                        <a:defRPr sz="2400" kern="1200">
+                          <a:solidFill>
+                            <a:schemeClr val="tx1"/>
+                          </a:solidFill>
+                          <a:latin typeface="Calibri" panose="020F0502020204030204"/>
+                        </a:defRPr>
+                      </a:lvl4pPr>
+                      <a:lvl5pPr marL="2438400" algn="l" defTabSz="1219200" rtl="0" eaLnBrk="1" latinLnBrk="0" hangingPunct="1">
+                        <a:defRPr sz="2400" kern="1200">
+                          <a:solidFill>
+                            <a:schemeClr val="tx1"/>
+                          </a:solidFill>
+                          <a:latin typeface="Calibri" panose="020F0502020204030204"/>
+                        </a:defRPr>
+                      </a:lvl5pPr>
+                      <a:lvl6pPr marL="3048000" algn="l" defTabSz="1219200" rtl="0" eaLnBrk="1" latinLnBrk="0" hangingPunct="1">
+                        <a:defRPr sz="2400" kern="1200">
+                          <a:solidFill>
+                            <a:schemeClr val="tx1"/>
+                          </a:solidFill>
+                          <a:latin typeface="Calibri" panose="020F0502020204030204"/>
+                        </a:defRPr>
+                      </a:lvl6pPr>
+                      <a:lvl7pPr marL="3656965" algn="l" defTabSz="1219200" rtl="0" eaLnBrk="1" latinLnBrk="0" hangingPunct="1">
+                        <a:defRPr sz="2400" kern="1200">
+                          <a:solidFill>
+                            <a:schemeClr val="tx1"/>
+                          </a:solidFill>
+                          <a:latin typeface="Calibri" panose="020F0502020204030204"/>
+                        </a:defRPr>
+                      </a:lvl7pPr>
+                      <a:lvl8pPr marL="4266565" algn="l" defTabSz="1219200" rtl="0" eaLnBrk="1" latinLnBrk="0" hangingPunct="1">
+                        <a:defRPr sz="2400" kern="1200">
+                          <a:solidFill>
+                            <a:schemeClr val="tx1"/>
+                          </a:solidFill>
+                          <a:latin typeface="Calibri" panose="020F0502020204030204"/>
+                        </a:defRPr>
+                      </a:lvl8pPr>
+                      <a:lvl9pPr marL="4876165" algn="l" defTabSz="1219200" rtl="0" eaLnBrk="1" latinLnBrk="0" hangingPunct="1">
+                        <a:defRPr sz="2400" kern="1200">
+                          <a:solidFill>
+                            <a:schemeClr val="tx1"/>
+                          </a:solidFill>
+                          <a:latin typeface="Calibri" panose="020F0502020204030204"/>
+                        </a:defRPr>
+                      </a:lvl9pPr>
+                    </a:lstStyle>
+                    <a:p>
+                      <a:pPr marL="285750" indent="-285750" algn="l">
+                        <a:lnSpc>
+                          <a:spcPct val="120000"/>
+                        </a:lnSpc>
+                        <a:buFont typeface="Arial" panose="020B0604020202020204" pitchFamily="34" charset="0"/>
+                        <a:buChar char="•"/>
+                      </a:pPr>
+                      <a:r>
+                        <a:rPr sz="1200" dirty="0">
+                          <a:cs typeface="Arial" panose="020B0604020202020204" pitchFamily="34" charset="0"/>
+                        </a:rPr>
+                        <a:t>BindType: Such as arealimit or imeibind</a:t>
+                      </a:r>
+                      <a:endParaRPr sz="1200" dirty="0">
+                        <a:cs typeface="Arial" panose="020B0604020202020204" pitchFamily="34" charset="0"/>
+                      </a:endParaRPr>
+                    </a:p>
+                  </a:txBody>
+                  <a:tcPr anchor="ctr">
+                    <a:lnL w="12700" cap="flat" cmpd="sng" algn="ctr">
+                      <a:solidFill>
+                        <a:srgbClr val="DDDDDD"/>
+                      </a:solidFill>
+                      <a:prstDash val="solid"/>
+                      <a:round/>
+                      <a:headEnd type="none" w="med" len="med"/>
+                      <a:tailEnd type="none" w="med" len="med"/>
+                    </a:lnL>
+                    <a:lnR w="6350" cap="flat" cmpd="sng" algn="ctr">
+                      <a:solidFill>
+                        <a:srgbClr val="666666"/>
+                      </a:solidFill>
+                      <a:prstDash val="solid"/>
+                      <a:round/>
+                      <a:headEnd type="none" w="med" len="med"/>
+                      <a:tailEnd type="none" w="med" len="med"/>
+                    </a:lnR>
+                    <a:lnT w="12700" cap="flat" cmpd="sng" algn="ctr">
+                      <a:solidFill>
+                        <a:srgbClr val="DDDDDD"/>
+                      </a:solidFill>
+                      <a:prstDash val="solid"/>
+                      <a:round/>
+                      <a:headEnd type="none" w="med" len="med"/>
+                      <a:tailEnd type="none" w="med" len="med"/>
+                    </a:lnT>
+                    <a:lnB w="12700" cap="flat" cmpd="sng" algn="ctr">
+                      <a:solidFill>
+                        <a:srgbClr val="DDDDDD"/>
+                      </a:solidFill>
+                      <a:prstDash val="solid"/>
+                      <a:round/>
+                      <a:headEnd type="none" w="med" len="med"/>
+                      <a:tailEnd type="none" w="med" len="med"/>
+                    </a:lnB>
+                    <a:lnTlToBr w="12700" cmpd="sng">
+                      <a:noFill/>
+                      <a:prstDash val="solid"/>
+                    </a:lnTlToBr>
+                    <a:lnBlToTr w="12700" cmpd="sng">
+                      <a:noFill/>
+                      <a:prstDash val="solid"/>
+                    </a:lnBlToTr>
+                    <a:noFill/>
+                  </a:tcPr>
+                </a:tc>
+              </a:tr>
+              <a:tr h="393065">
+                <a:tc vMerge="1">
+                  <a:tcPr>
+                    <a:lnT w="6350" cap="flat" cmpd="sng" algn="ctr">
+                      <a:solidFill>
+                        <a:schemeClr val="bg1"/>
+                      </a:solidFill>
+                      <a:prstDash val="solid"/>
+                      <a:round/>
+                      <a:headEnd type="none" w="med" len="med"/>
+                      <a:tailEnd type="none" w="med" len="med"/>
+                    </a:lnT>
+                  </a:tcPr>
+                </a:tc>
+                <a:tc>
+                  <a:txBody>
+                    <a:bodyPr/>
+                    <a:lstStyle>
+                      <a:lvl1pPr marL="0" algn="l" defTabSz="1219200" rtl="0" eaLnBrk="1" latinLnBrk="0" hangingPunct="1">
+                        <a:defRPr sz="2400" kern="1200">
+                          <a:solidFill>
+                            <a:schemeClr val="tx1"/>
+                          </a:solidFill>
+                          <a:latin typeface="Calibri" panose="020F0502020204030204"/>
+                        </a:defRPr>
+                      </a:lvl1pPr>
+                      <a:lvl2pPr marL="609600" algn="l" defTabSz="1219200" rtl="0" eaLnBrk="1" latinLnBrk="0" hangingPunct="1">
+                        <a:defRPr sz="2400" kern="1200">
+                          <a:solidFill>
+                            <a:schemeClr val="tx1"/>
+                          </a:solidFill>
+                          <a:latin typeface="Calibri" panose="020F0502020204030204"/>
+                        </a:defRPr>
+                      </a:lvl2pPr>
+                      <a:lvl3pPr marL="1219200" algn="l" defTabSz="1219200" rtl="0" eaLnBrk="1" latinLnBrk="0" hangingPunct="1">
+                        <a:defRPr sz="2400" kern="1200">
+                          <a:solidFill>
+                            <a:schemeClr val="tx1"/>
+                          </a:solidFill>
+                          <a:latin typeface="Calibri" panose="020F0502020204030204"/>
+                        </a:defRPr>
+                      </a:lvl3pPr>
+                      <a:lvl4pPr marL="1828800" algn="l" defTabSz="1219200" rtl="0" eaLnBrk="1" latinLnBrk="0" hangingPunct="1">
+                        <a:defRPr sz="2400" kern="1200">
+                          <a:solidFill>
+                            <a:schemeClr val="tx1"/>
+                          </a:solidFill>
+                          <a:latin typeface="Calibri" panose="020F0502020204030204"/>
+                        </a:defRPr>
+                      </a:lvl4pPr>
+                      <a:lvl5pPr marL="2438400" algn="l" defTabSz="1219200" rtl="0" eaLnBrk="1" latinLnBrk="0" hangingPunct="1">
+                        <a:defRPr sz="2400" kern="1200">
+                          <a:solidFill>
+                            <a:schemeClr val="tx1"/>
+                          </a:solidFill>
+                          <a:latin typeface="Calibri" panose="020F0502020204030204"/>
+                        </a:defRPr>
+                      </a:lvl5pPr>
+                      <a:lvl6pPr marL="3048000" algn="l" defTabSz="1219200" rtl="0" eaLnBrk="1" latinLnBrk="0" hangingPunct="1">
+                        <a:defRPr sz="2400" kern="1200">
+                          <a:solidFill>
+                            <a:schemeClr val="tx1"/>
+                          </a:solidFill>
+                          <a:latin typeface="Calibri" panose="020F0502020204030204"/>
+                        </a:defRPr>
+                      </a:lvl6pPr>
+                      <a:lvl7pPr marL="3656965" algn="l" defTabSz="1219200" rtl="0" eaLnBrk="1" latinLnBrk="0" hangingPunct="1">
+                        <a:defRPr sz="2400" kern="1200">
+                          <a:solidFill>
+                            <a:schemeClr val="tx1"/>
+                          </a:solidFill>
+                          <a:latin typeface="Calibri" panose="020F0502020204030204"/>
+                        </a:defRPr>
+                      </a:lvl7pPr>
+                      <a:lvl8pPr marL="4266565" algn="l" defTabSz="1219200" rtl="0" eaLnBrk="1" latinLnBrk="0" hangingPunct="1">
+                        <a:defRPr sz="2400" kern="1200">
+                          <a:solidFill>
+                            <a:schemeClr val="tx1"/>
+                          </a:solidFill>
+                          <a:latin typeface="Calibri" panose="020F0502020204030204"/>
+                        </a:defRPr>
+                      </a:lvl8pPr>
+                      <a:lvl9pPr marL="4876165" algn="l" defTabSz="1219200" rtl="0" eaLnBrk="1" latinLnBrk="0" hangingPunct="1">
+                        <a:defRPr sz="2400" kern="1200">
+                          <a:solidFill>
+                            <a:schemeClr val="tx1"/>
+                          </a:solidFill>
+                          <a:latin typeface="Calibri" panose="020F0502020204030204"/>
+                        </a:defRPr>
+                      </a:lvl9pPr>
+                    </a:lstStyle>
+                    <a:p>
+                      <a:pPr marL="285750" indent="-285750" algn="l">
+                        <a:lnSpc>
+                          <a:spcPct val="120000"/>
+                        </a:lnSpc>
+                        <a:buFont typeface="Arial" panose="020B0604020202020204" pitchFamily="34" charset="0"/>
+                        <a:buChar char="•"/>
+                      </a:pPr>
+                      <a:endParaRPr lang="en-US" altLang="zh-CN" sz="1200" b="0" kern="1200" dirty="0">
+                        <a:solidFill>
+                          <a:schemeClr val="tx1"/>
+                        </a:solidFill>
+                        <a:latin typeface="Arial" panose="020B0604020202020204" pitchFamily="34" charset="0"/>
+                        <a:ea typeface="微软雅黑" panose="020B0503020204020204" pitchFamily="34" charset="-122"/>
+                        <a:cs typeface="Arial" panose="020B0604020202020204" pitchFamily="34" charset="0"/>
+                      </a:endParaRPr>
+                    </a:p>
+                  </a:txBody>
+                  <a:tcPr anchor="ctr">
+                    <a:lnL w="12700" cap="flat" cmpd="sng" algn="ctr">
+                      <a:solidFill>
+                        <a:srgbClr val="DDDDDD"/>
+                      </a:solidFill>
+                      <a:prstDash val="solid"/>
+                      <a:round/>
+                      <a:headEnd type="none" w="med" len="med"/>
+                      <a:tailEnd type="none" w="med" len="med"/>
+                    </a:lnL>
+                    <a:lnR w="6350" cap="flat" cmpd="sng" algn="ctr">
+                      <a:solidFill>
+                        <a:srgbClr val="666666"/>
+                      </a:solidFill>
+                      <a:prstDash val="solid"/>
+                      <a:round/>
+                      <a:headEnd type="none" w="med" len="med"/>
+                      <a:tailEnd type="none" w="med" len="med"/>
+                    </a:lnR>
+                    <a:lnT w="12700" cap="flat" cmpd="sng" algn="ctr">
+                      <a:solidFill>
+                        <a:srgbClr val="DDDDDD"/>
+                      </a:solidFill>
+                      <a:prstDash val="solid"/>
+                      <a:round/>
+                      <a:headEnd type="none" w="med" len="med"/>
+                      <a:tailEnd type="none" w="med" len="med"/>
+                    </a:lnT>
+                    <a:lnB w="12700" cap="flat" cmpd="sng" algn="ctr">
+                      <a:solidFill>
+                        <a:srgbClr val="DDDDDD"/>
+                      </a:solidFill>
+                      <a:prstDash val="solid"/>
+                      <a:round/>
+                      <a:headEnd type="none" w="med" len="med"/>
+                      <a:tailEnd type="none" w="med" len="med"/>
+                    </a:lnB>
+                    <a:lnTlToBr w="12700" cmpd="sng">
+                      <a:noFill/>
+                      <a:prstDash val="solid"/>
+                    </a:lnTlToBr>
+                    <a:lnBlToTr w="12700" cmpd="sng">
+                      <a:noFill/>
+                      <a:prstDash val="solid"/>
+                    </a:lnBlToTr>
+                    <a:noFill/>
+                  </a:tcPr>
+                </a:tc>
+              </a:tr>
+              <a:tr h="392430">
+                <a:tc vMerge="1">
+                  <a:tcPr>
+                    <a:lnR w="12700" cap="flat" cmpd="sng" algn="ctr">
+                      <a:solidFill>
+                        <a:srgbClr val="DDDDDD"/>
+                      </a:solidFill>
+                      <a:prstDash val="solid"/>
+                      <a:round/>
+                      <a:headEnd type="none" w="med" len="med"/>
+                      <a:tailEnd type="none" w="med" len="med"/>
+                    </a:lnR>
+                    <a:lnT w="6350" cap="flat" cmpd="sng" algn="ctr">
+                      <a:solidFill>
+                        <a:schemeClr val="bg1"/>
+                      </a:solidFill>
+                      <a:prstDash val="solid"/>
+                      <a:round/>
+                      <a:headEnd type="none" w="med" len="med"/>
+                      <a:tailEnd type="none" w="med" len="med"/>
+                    </a:lnT>
+                    <a:lnB w="12700" cap="flat" cmpd="sng" algn="ctr">
+                      <a:solidFill>
+                        <a:srgbClr val="DDDDDD"/>
+                      </a:solidFill>
+                      <a:prstDash val="solid"/>
+                      <a:round/>
+                      <a:headEnd type="none" w="med" len="med"/>
+                      <a:tailEnd type="none" w="med" len="med"/>
+                    </a:lnB>
+                    <a:noFill/>
+                  </a:tcPr>
+                </a:tc>
+                <a:tc>
+                  <a:txBody>
+                    <a:bodyPr/>
+                    <a:lstStyle/>
+                    <a:p>
+                      <a:pPr indent="0" algn="l">
+                        <a:lnSpc>
+                          <a:spcPct val="120000"/>
+                        </a:lnSpc>
+                        <a:buFont typeface="Arial" panose="020B0604020202020204" pitchFamily="34" charset="0"/>
+                        <a:buNone/>
+                      </a:pPr>
+                      <a:endParaRPr lang="en-US" altLang="zh-CN" sz="1200" dirty="0">
+                        <a:latin typeface="Arial" panose="020B0604020202020204" pitchFamily="34" charset="0"/>
+                        <a:ea typeface="微软雅黑" panose="020B0503020204020204" pitchFamily="34" charset="-122"/>
+                        <a:cs typeface="Arial" panose="020B0604020202020204" pitchFamily="34" charset="0"/>
+                        <a:sym typeface="+mn-ea"/>
+                      </a:endParaRPr>
+                    </a:p>
+                  </a:txBody>
+                  <a:tcPr anchor="ctr">
+                    <a:lnL w="12700" cap="flat" cmpd="sng" algn="ctr">
+                      <a:solidFill>
+                        <a:srgbClr val="DDDDDD"/>
+                      </a:solidFill>
+                      <a:prstDash val="solid"/>
+                      <a:round/>
+                      <a:headEnd type="none" w="med" len="med"/>
+                      <a:tailEnd type="none" w="med" len="med"/>
+                    </a:lnL>
+                    <a:lnR w="6350" cap="flat" cmpd="sng" algn="ctr">
+                      <a:solidFill>
+                        <a:srgbClr val="666666"/>
+                      </a:solidFill>
+                      <a:prstDash val="solid"/>
+                      <a:round/>
+                      <a:headEnd type="none" w="med" len="med"/>
+                      <a:tailEnd type="none" w="med" len="med"/>
+                    </a:lnR>
+                    <a:lnT w="12700" cap="flat" cmpd="sng" algn="ctr">
+                      <a:solidFill>
+                        <a:srgbClr val="DDDDDD"/>
+                      </a:solidFill>
+                      <a:prstDash val="solid"/>
+                      <a:round/>
+                      <a:headEnd type="none" w="med" len="med"/>
+                      <a:tailEnd type="none" w="med" len="med"/>
+                    </a:lnT>
+                    <a:lnB w="12700" cap="flat" cmpd="sng" algn="ctr">
+                      <a:solidFill>
+                        <a:srgbClr val="DDDDDD"/>
+                      </a:solidFill>
+                      <a:prstDash val="solid"/>
+                      <a:round/>
+                      <a:headEnd type="none" w="med" len="med"/>
+                      <a:tailEnd type="none" w="med" len="med"/>
+                    </a:lnB>
+                    <a:lnTlToBr w="12700" cmpd="sng">
+                      <a:noFill/>
+                      <a:prstDash val="solid"/>
+                    </a:lnTlToBr>
+                    <a:lnBlToTr w="12700" cmpd="sng">
+                      <a:noFill/>
+                      <a:prstDash val="solid"/>
+                    </a:lnBlToTr>
+                    <a:noFill/>
+                  </a:tcPr>
+                </a:tc>
+              </a:tr>
+              <a:tr h="392430">
+                <a:tc vMerge="1">
+                  <a:tcPr>
+                    <a:lnR w="12700" cap="flat" cmpd="sng" algn="ctr">
+                      <a:solidFill>
+                        <a:srgbClr val="DDDDDD"/>
+                      </a:solidFill>
+                      <a:prstDash val="solid"/>
+                      <a:round/>
+                      <a:headEnd type="none" w="med" len="med"/>
+                      <a:tailEnd type="none" w="med" len="med"/>
+                    </a:lnR>
+                    <a:lnT w="6350" cap="flat" cmpd="sng" algn="ctr">
+                      <a:solidFill>
+                        <a:schemeClr val="bg1"/>
+                      </a:solidFill>
+                      <a:prstDash val="solid"/>
+                      <a:round/>
+                      <a:headEnd type="none" w="med" len="med"/>
+                      <a:tailEnd type="none" w="med" len="med"/>
+                    </a:lnT>
+                    <a:lnB w="12700" cap="flat" cmpd="sng" algn="ctr">
+                      <a:solidFill>
+                        <a:srgbClr val="DDDDDD"/>
+                      </a:solidFill>
+                      <a:prstDash val="solid"/>
+                      <a:round/>
+                      <a:headEnd type="none" w="med" len="med"/>
+                      <a:tailEnd type="none" w="med" len="med"/>
+                    </a:lnB>
+                    <a:noFill/>
+                  </a:tcPr>
+                </a:tc>
+                <a:tc>
+                  <a:txBody>
+                    <a:bodyPr/>
+                    <a:lstStyle/>
+                    <a:p>
+                      <a:pPr indent="0" algn="l">
+                        <a:lnSpc>
+                          <a:spcPct val="120000"/>
+                        </a:lnSpc>
+                        <a:buFont typeface="Arial" panose="020B0604020202020204" pitchFamily="34" charset="0"/>
+                        <a:buNone/>
+                      </a:pPr>
+                      <a:endParaRPr lang="en-US" altLang="zh-CN" sz="1200" kern="1200" spc="-10" dirty="0">
+                        <a:solidFill>
+                          <a:schemeClr val="tx1"/>
+                        </a:solidFill>
+                        <a:latin typeface="微软雅黑" panose="020B0503020204020204" pitchFamily="34" charset="-122"/>
+                        <a:ea typeface="微软雅黑" panose="020B0503020204020204" pitchFamily="34" charset="-122"/>
+                        <a:cs typeface="Arial" panose="020B0604020202020204" pitchFamily="34" charset="0"/>
+                        <a:sym typeface="+mn-ea"/>
+                      </a:endParaRPr>
+                    </a:p>
+                  </a:txBody>
+                  <a:tcPr anchor="ctr">
+                    <a:lnL w="12700" cap="flat" cmpd="sng" algn="ctr">
+                      <a:solidFill>
+                        <a:srgbClr val="DDDDDD"/>
+                      </a:solidFill>
+                      <a:prstDash val="solid"/>
+                      <a:round/>
+                      <a:headEnd type="none" w="med" len="med"/>
+                      <a:tailEnd type="none" w="med" len="med"/>
+                    </a:lnL>
+                    <a:lnR w="6350" cap="flat" cmpd="sng" algn="ctr">
+                      <a:solidFill>
+                        <a:srgbClr val="666666"/>
+                      </a:solidFill>
+                      <a:prstDash val="solid"/>
+                      <a:round/>
+                      <a:headEnd type="none" w="med" len="med"/>
+                      <a:tailEnd type="none" w="med" len="med"/>
+                    </a:lnR>
+                    <a:lnT w="12700" cap="flat" cmpd="sng" algn="ctr">
+                      <a:solidFill>
+                        <a:srgbClr val="DDDDDD"/>
+                      </a:solidFill>
+                      <a:prstDash val="solid"/>
+                      <a:round/>
+                      <a:headEnd type="none" w="med" len="med"/>
+                      <a:tailEnd type="none" w="med" len="med"/>
+                    </a:lnT>
+                    <a:lnB w="12700" cap="flat" cmpd="sng" algn="ctr">
+                      <a:solidFill>
+                        <a:srgbClr val="DDDDDD"/>
+                      </a:solidFill>
+                      <a:prstDash val="solid"/>
+                      <a:round/>
+                      <a:headEnd type="none" w="med" len="med"/>
+                      <a:tailEnd type="none" w="med" len="med"/>
+                    </a:lnB>
+                    <a:lnTlToBr w="12700" cmpd="sng">
+                      <a:noFill/>
+                      <a:prstDash val="solid"/>
+                    </a:lnTlToBr>
+                    <a:lnBlToTr w="12700" cmpd="sng">
+                      <a:noFill/>
+                      <a:prstDash val="solid"/>
+                    </a:lnBlToTr>
+                    <a:noFill/>
+                  </a:tcPr>
+                </a:tc>
+              </a:tr>
+              <a:tr h="393065">
+                <a:tc vMerge="1">
+                  <a:tcPr>
+                    <a:lnR w="12700" cap="flat" cmpd="sng" algn="ctr">
+                      <a:solidFill>
+                        <a:srgbClr val="DDDDDD"/>
+                      </a:solidFill>
+                      <a:prstDash val="solid"/>
+                      <a:round/>
+                      <a:headEnd type="none" w="med" len="med"/>
+                      <a:tailEnd type="none" w="med" len="med"/>
+                    </a:lnR>
+                    <a:lnT w="6350" cap="flat" cmpd="sng" algn="ctr">
+                      <a:solidFill>
+                        <a:schemeClr val="bg1"/>
+                      </a:solidFill>
+                      <a:prstDash val="solid"/>
+                      <a:round/>
+                      <a:headEnd type="none" w="med" len="med"/>
+                      <a:tailEnd type="none" w="med" len="med"/>
+                    </a:lnT>
+                    <a:lnB w="12700" cap="flat" cmpd="sng" algn="ctr">
+                      <a:solidFill>
+                        <a:srgbClr val="DDDDDD"/>
+                      </a:solidFill>
+                      <a:prstDash val="solid"/>
+                      <a:round/>
+                      <a:headEnd type="none" w="med" len="med"/>
+                      <a:tailEnd type="none" w="med" len="med"/>
+                    </a:lnB>
+                    <a:noFill/>
+                  </a:tcPr>
+                </a:tc>
+                <a:tc>
+                  <a:txBody>
+                    <a:bodyPr/>
+                    <a:lstStyle/>
+                    <a:p>
+                      <a:pPr marL="285750" indent="-285750" algn="l">
+                        <a:lnSpc>
+                          <a:spcPct val="120000"/>
+                        </a:lnSpc>
+                        <a:buFont typeface="Arial" panose="020B0604020202020204" pitchFamily="34" charset="0"/>
+                        <a:buChar char="•"/>
+                      </a:pPr>
+                      <a:endParaRPr lang="zh-CN" altLang="en-US" sz="1200" kern="1200" dirty="0">
+                        <a:solidFill>
+                          <a:schemeClr val="tx1"/>
+                        </a:solidFill>
+                        <a:latin typeface="Arial" panose="020B0604020202020204" pitchFamily="34" charset="0"/>
+                        <a:ea typeface="微软雅黑" panose="020B0503020204020204" pitchFamily="34" charset="-122"/>
+                        <a:cs typeface="Arial" panose="020B0604020202020204" pitchFamily="34" charset="0"/>
+                      </a:endParaRPr>
+                    </a:p>
+                  </a:txBody>
+                  <a:tcPr anchor="ctr">
+                    <a:lnL w="12700" cap="flat" cmpd="sng" algn="ctr">
+                      <a:solidFill>
+                        <a:srgbClr val="DDDDDD"/>
+                      </a:solidFill>
+                      <a:prstDash val="solid"/>
+                      <a:round/>
+                      <a:headEnd type="none" w="med" len="med"/>
+                      <a:tailEnd type="none" w="med" len="med"/>
+                    </a:lnL>
+                    <a:lnR w="6350" cap="flat" cmpd="sng" algn="ctr">
+                      <a:solidFill>
+                        <a:srgbClr val="666666"/>
+                      </a:solidFill>
+                      <a:prstDash val="solid"/>
+                      <a:round/>
+                      <a:headEnd type="none" w="med" len="med"/>
+                      <a:tailEnd type="none" w="med" len="med"/>
+                    </a:lnR>
+                    <a:lnT w="12700" cap="flat" cmpd="sng" algn="ctr">
+                      <a:solidFill>
+                        <a:srgbClr val="DDDDDD"/>
+                      </a:solidFill>
+                      <a:prstDash val="solid"/>
+                      <a:round/>
+                      <a:headEnd type="none" w="med" len="med"/>
+                      <a:tailEnd type="none" w="med" len="med"/>
+                    </a:lnT>
+                    <a:lnB w="12700" cap="flat" cmpd="sng" algn="ctr">
+                      <a:solidFill>
+                        <a:srgbClr val="DDDDDD"/>
+                      </a:solidFill>
+                      <a:prstDash val="solid"/>
+                      <a:round/>
+                      <a:headEnd type="none" w="med" len="med"/>
+                      <a:tailEnd type="none" w="med" len="med"/>
+                    </a:lnB>
+                    <a:lnTlToBr w="12700" cmpd="sng">
+                      <a:noFill/>
+                      <a:prstDash val="solid"/>
+                    </a:lnTlToBr>
+                    <a:lnBlToTr w="12700" cmpd="sng">
+                      <a:noFill/>
+                      <a:prstDash val="solid"/>
+                    </a:lnBlToTr>
+                    <a:noFill/>
+                  </a:tcPr>
+                </a:tc>
+              </a:tr>
+              <a:tr h="829310">
+                <a:tc>
+                  <a:txBody>
+                    <a:bodyPr/>
+                    <a:lstStyle>
+                      <a:lvl1pPr marL="0" algn="l" defTabSz="1219200" rtl="0" eaLnBrk="1" latinLnBrk="0" hangingPunct="1">
+                        <a:defRPr sz="2400" kern="1200">
+                          <a:solidFill>
+                            <a:schemeClr val="tx1"/>
+                          </a:solidFill>
+                          <a:latin typeface="Calibri" panose="020F0502020204030204"/>
+                        </a:defRPr>
+                      </a:lvl1pPr>
+                      <a:lvl2pPr marL="609600" algn="l" defTabSz="1219200" rtl="0" eaLnBrk="1" latinLnBrk="0" hangingPunct="1">
+                        <a:defRPr sz="2400" kern="1200">
+                          <a:solidFill>
+                            <a:schemeClr val="tx1"/>
+                          </a:solidFill>
+                          <a:latin typeface="Calibri" panose="020F0502020204030204"/>
+                        </a:defRPr>
+                      </a:lvl2pPr>
+                      <a:lvl3pPr marL="1219200" algn="l" defTabSz="1219200" rtl="0" eaLnBrk="1" latinLnBrk="0" hangingPunct="1">
+                        <a:defRPr sz="2400" kern="1200">
+                          <a:solidFill>
+                            <a:schemeClr val="tx1"/>
+                          </a:solidFill>
+                          <a:latin typeface="Calibri" panose="020F0502020204030204"/>
+                        </a:defRPr>
+                      </a:lvl3pPr>
+                      <a:lvl4pPr marL="1828800" algn="l" defTabSz="1219200" rtl="0" eaLnBrk="1" latinLnBrk="0" hangingPunct="1">
+                        <a:defRPr sz="2400" kern="1200">
+                          <a:solidFill>
+                            <a:schemeClr val="tx1"/>
+                          </a:solidFill>
+                          <a:latin typeface="Calibri" panose="020F0502020204030204"/>
+                        </a:defRPr>
+                      </a:lvl4pPr>
+                      <a:lvl5pPr marL="2438400" algn="l" defTabSz="1219200" rtl="0" eaLnBrk="1" latinLnBrk="0" hangingPunct="1">
+                        <a:defRPr sz="2400" kern="1200">
+                          <a:solidFill>
+                            <a:schemeClr val="tx1"/>
+                          </a:solidFill>
+                          <a:latin typeface="Calibri" panose="020F0502020204030204"/>
+                        </a:defRPr>
+                      </a:lvl5pPr>
+                      <a:lvl6pPr marL="3048000" algn="l" defTabSz="1219200" rtl="0" eaLnBrk="1" latinLnBrk="0" hangingPunct="1">
+                        <a:defRPr sz="2400" kern="1200">
+                          <a:solidFill>
+                            <a:schemeClr val="tx1"/>
+                          </a:solidFill>
+                          <a:latin typeface="Calibri" panose="020F0502020204030204"/>
+                        </a:defRPr>
+                      </a:lvl6pPr>
+                      <a:lvl7pPr marL="3656965" algn="l" defTabSz="1219200" rtl="0" eaLnBrk="1" latinLnBrk="0" hangingPunct="1">
+                        <a:defRPr sz="2400" kern="1200">
+                          <a:solidFill>
+                            <a:schemeClr val="tx1"/>
+                          </a:solidFill>
+                          <a:latin typeface="Calibri" panose="020F0502020204030204"/>
+                        </a:defRPr>
+                      </a:lvl7pPr>
+                      <a:lvl8pPr marL="4266565" algn="l" defTabSz="1219200" rtl="0" eaLnBrk="1" latinLnBrk="0" hangingPunct="1">
+                        <a:defRPr sz="2400" kern="1200">
+                          <a:solidFill>
+                            <a:schemeClr val="tx1"/>
+                          </a:solidFill>
+                          <a:latin typeface="Calibri" panose="020F0502020204030204"/>
+                        </a:defRPr>
+                      </a:lvl8pPr>
+                      <a:lvl9pPr marL="4876165" algn="l" defTabSz="1219200" rtl="0" eaLnBrk="1" latinLnBrk="0" hangingPunct="1">
+                        <a:defRPr sz="2400" kern="1200">
+                          <a:solidFill>
+                            <a:schemeClr val="tx1"/>
+                          </a:solidFill>
+                          <a:latin typeface="Calibri" panose="020F0502020204030204"/>
+                        </a:defRPr>
+                      </a:lvl9pPr>
+                    </a:lstStyle>
+                    <a:p>
+                      <a:pPr marL="0" marR="0" lvl="0" indent="0" algn="ctr" defTabSz="1186815" rtl="0" eaLnBrk="1" fontAlgn="auto" latinLnBrk="0" hangingPunct="1">
+                        <a:lnSpc>
+                          <a:spcPct val="100000"/>
+                        </a:lnSpc>
+                        <a:spcBef>
+                          <a:spcPts val="0"/>
+                        </a:spcBef>
+                        <a:spcAft>
+                          <a:spcPts val="0"/>
+                        </a:spcAft>
+                        <a:buClrTx/>
+                        <a:buSzTx/>
+                        <a:buFontTx/>
+                        <a:buNone/>
+                        <a:defRPr/>
+                      </a:pPr>
+                      <a:r>
+                        <a:rPr lang="en-US" altLang="zh-CN" sz="1200" b="1" kern="1200" dirty="0">
+                          <a:solidFill>
+                            <a:schemeClr val="tx1"/>
+                          </a:solidFill>
+                          <a:latin typeface="Arial" panose="020B0604020202020204" pitchFamily="34" charset="0"/>
+                          <a:ea typeface="微软雅黑" panose="020B0503020204020204" pitchFamily="34" charset="-122"/>
+                          <a:cs typeface="Arial" panose="020B0604020202020204" pitchFamily="34" charset="0"/>
+                        </a:rPr>
+                        <a:t>Return Results</a:t>
+                      </a:r>
+                      <a:endParaRPr lang="zh-CN" altLang="en-US" sz="1200" b="1" kern="1200" dirty="0">
+                        <a:solidFill>
+                          <a:schemeClr val="tx1"/>
+                        </a:solidFill>
+                        <a:latin typeface="Arial" panose="020B0604020202020204" pitchFamily="34" charset="0"/>
+                        <a:ea typeface="微软雅黑" panose="020B0503020204020204" pitchFamily="34" charset="-122"/>
+                        <a:cs typeface="Arial" panose="020B0604020202020204" pitchFamily="34" charset="0"/>
+                      </a:endParaRPr>
+                    </a:p>
+                  </a:txBody>
+                  <a:tcPr anchor="ctr">
+                    <a:lnL w="6350" cap="flat" cmpd="sng" algn="ctr">
+                      <a:solidFill>
+                        <a:srgbClr val="666666"/>
+                      </a:solidFill>
+                      <a:prstDash val="solid"/>
+                      <a:round/>
+                      <a:headEnd type="none" w="med" len="med"/>
+                      <a:tailEnd type="none" w="med" len="med"/>
+                    </a:lnL>
+                    <a:lnR w="12700" cap="flat" cmpd="sng" algn="ctr">
+                      <a:solidFill>
+                        <a:srgbClr val="DDDDDD"/>
+                      </a:solidFill>
+                      <a:prstDash val="solid"/>
+                      <a:round/>
+                      <a:headEnd type="none" w="med" len="med"/>
+                      <a:tailEnd type="none" w="med" len="med"/>
+                    </a:lnR>
+                    <a:lnT w="12700" cap="flat" cmpd="sng" algn="ctr">
+                      <a:solidFill>
+                        <a:srgbClr val="DDDDDD"/>
+                      </a:solidFill>
+                      <a:prstDash val="solid"/>
+                      <a:round/>
+                      <a:headEnd type="none" w="med" len="med"/>
+                      <a:tailEnd type="none" w="med" len="med"/>
+                    </a:lnT>
+                    <a:lnB w="6350" cap="flat" cmpd="sng" algn="ctr">
+                      <a:solidFill>
+                        <a:srgbClr val="666666"/>
+                      </a:solidFill>
+                      <a:prstDash val="solid"/>
+                      <a:round/>
+                      <a:headEnd type="none" w="med" len="med"/>
+                      <a:tailEnd type="none" w="med" len="med"/>
+                    </a:lnB>
+                    <a:lnTlToBr w="12700" cmpd="sng">
+                      <a:noFill/>
+                      <a:prstDash val="solid"/>
+                    </a:lnTlToBr>
+                    <a:lnBlToTr w="12700" cmpd="sng">
+                      <a:noFill/>
+                      <a:prstDash val="solid"/>
+                    </a:lnBlToTr>
+                    <a:noFill/>
+                  </a:tcPr>
+                </a:tc>
+                <a:tc>
+                  <a:txBody>
+                    <a:bodyPr/>
+                    <a:lstStyle>
+                      <a:lvl1pPr marL="0" algn="l" defTabSz="1219200" rtl="0" eaLnBrk="1" latinLnBrk="0" hangingPunct="1">
+                        <a:defRPr sz="2400" kern="1200">
+                          <a:solidFill>
+                            <a:schemeClr val="tx1"/>
+                          </a:solidFill>
+                          <a:latin typeface="Calibri" panose="020F0502020204030204"/>
+                        </a:defRPr>
+                      </a:lvl1pPr>
+                      <a:lvl2pPr marL="609600" algn="l" defTabSz="1219200" rtl="0" eaLnBrk="1" latinLnBrk="0" hangingPunct="1">
+                        <a:defRPr sz="2400" kern="1200">
+                          <a:solidFill>
+                            <a:schemeClr val="tx1"/>
+                          </a:solidFill>
+                          <a:latin typeface="Calibri" panose="020F0502020204030204"/>
+                        </a:defRPr>
+                      </a:lvl2pPr>
+                      <a:lvl3pPr marL="1219200" algn="l" defTabSz="1219200" rtl="0" eaLnBrk="1" latinLnBrk="0" hangingPunct="1">
+                        <a:defRPr sz="2400" kern="1200">
+                          <a:solidFill>
+                            <a:schemeClr val="tx1"/>
+                          </a:solidFill>
+                          <a:latin typeface="Calibri" panose="020F0502020204030204"/>
+                        </a:defRPr>
+                      </a:lvl3pPr>
+                      <a:lvl4pPr marL="1828800" algn="l" defTabSz="1219200" rtl="0" eaLnBrk="1" latinLnBrk="0" hangingPunct="1">
+                        <a:defRPr sz="2400" kern="1200">
+                          <a:solidFill>
+                            <a:schemeClr val="tx1"/>
+                          </a:solidFill>
+                          <a:latin typeface="Calibri" panose="020F0502020204030204"/>
+                        </a:defRPr>
+                      </a:lvl4pPr>
+                      <a:lvl5pPr marL="2438400" algn="l" defTabSz="1219200" rtl="0" eaLnBrk="1" latinLnBrk="0" hangingPunct="1">
+                        <a:defRPr sz="2400" kern="1200">
+                          <a:solidFill>
+                            <a:schemeClr val="tx1"/>
+                          </a:solidFill>
+                          <a:latin typeface="Calibri" panose="020F0502020204030204"/>
+                        </a:defRPr>
+                      </a:lvl5pPr>
+                      <a:lvl6pPr marL="3048000" algn="l" defTabSz="1219200" rtl="0" eaLnBrk="1" latinLnBrk="0" hangingPunct="1">
+                        <a:defRPr sz="2400" kern="1200">
+                          <a:solidFill>
+                            <a:schemeClr val="tx1"/>
+                          </a:solidFill>
+                          <a:latin typeface="Calibri" panose="020F0502020204030204"/>
+                        </a:defRPr>
+                      </a:lvl6pPr>
+                      <a:lvl7pPr marL="3656965" algn="l" defTabSz="1219200" rtl="0" eaLnBrk="1" latinLnBrk="0" hangingPunct="1">
+                        <a:defRPr sz="2400" kern="1200">
+                          <a:solidFill>
+                            <a:schemeClr val="tx1"/>
+                          </a:solidFill>
+                          <a:latin typeface="Calibri" panose="020F0502020204030204"/>
+                        </a:defRPr>
+                      </a:lvl7pPr>
+                      <a:lvl8pPr marL="4266565" algn="l" defTabSz="1219200" rtl="0" eaLnBrk="1" latinLnBrk="0" hangingPunct="1">
+                        <a:defRPr sz="2400" kern="1200">
+                          <a:solidFill>
+                            <a:schemeClr val="tx1"/>
+                          </a:solidFill>
+                          <a:latin typeface="Calibri" panose="020F0502020204030204"/>
+                        </a:defRPr>
+                      </a:lvl8pPr>
+                      <a:lvl9pPr marL="4876165" algn="l" defTabSz="1219200" rtl="0" eaLnBrk="1" latinLnBrk="0" hangingPunct="1">
+                        <a:defRPr sz="2400" kern="1200">
+                          <a:solidFill>
+                            <a:schemeClr val="tx1"/>
+                          </a:solidFill>
+                          <a:latin typeface="Calibri" panose="020F0502020204030204"/>
+                        </a:defRPr>
+                      </a:lvl9pPr>
+                    </a:lstStyle>
+                    <a:p>
+                      <a:pPr marL="285750" indent="-285750" algn="l">
+                        <a:lnSpc>
+                          <a:spcPct val="120000"/>
+                        </a:lnSpc>
+                        <a:buFont typeface="Arial" panose="020B0604020202020204" pitchFamily="34" charset="0"/>
+                        <a:buChar char="•"/>
+                      </a:pPr>
+                      <a:r>
+                        <a:rPr lang="en-US" altLang="zh-CN" sz="1200" dirty="0">
+                          <a:latin typeface="Arial" panose="020B0604020202020204" pitchFamily="34" charset="0"/>
+                          <a:ea typeface="微软雅黑" panose="020B0503020204020204" pitchFamily="34" charset="-122"/>
+                          <a:cs typeface="Arial" panose="020B0604020202020204" pitchFamily="34" charset="0"/>
+                          <a:sym typeface="+mn-ea"/>
+                        </a:rPr>
+                        <a:t>result (object):  </a:t>
+                      </a:r>
+                      <a:r>
+                        <a:rPr lang="zh-CN" altLang="zh-CN" sz="1200" dirty="0">
+                          <a:latin typeface="Arial" panose="020B0604020202020204" pitchFamily="34" charset="0"/>
+                          <a:ea typeface="微软雅黑" panose="020B0503020204020204" pitchFamily="34" charset="-122"/>
+                          <a:cs typeface="Arial" panose="020B0604020202020204" pitchFamily="34" charset="0"/>
+                          <a:sym typeface="+mn-ea"/>
+                        </a:rPr>
+                        <a:t>bind operation status, success or fail</a:t>
+                      </a:r>
+                      <a:endParaRPr lang="zh-CN" altLang="zh-CN" sz="1200" dirty="0">
+                        <a:latin typeface="Arial" panose="020B0604020202020204" pitchFamily="34" charset="0"/>
+                        <a:ea typeface="微软雅黑" panose="020B0503020204020204" pitchFamily="34" charset="-122"/>
+                        <a:cs typeface="Arial" panose="020B0604020202020204" pitchFamily="34" charset="0"/>
+                        <a:sym typeface="+mn-ea"/>
+                      </a:endParaRPr>
+                    </a:p>
+                  </a:txBody>
+                  <a:tcPr anchor="ctr">
+                    <a:lnL w="12700" cap="flat" cmpd="sng" algn="ctr">
+                      <a:solidFill>
+                        <a:srgbClr val="DDDDDD"/>
+                      </a:solidFill>
+                      <a:prstDash val="solid"/>
+                      <a:round/>
+                      <a:headEnd type="none" w="med" len="med"/>
+                      <a:tailEnd type="none" w="med" len="med"/>
+                    </a:lnL>
+                    <a:lnR w="6350" cap="flat" cmpd="sng" algn="ctr">
+                      <a:solidFill>
+                        <a:srgbClr val="666666"/>
+                      </a:solidFill>
+                      <a:prstDash val="solid"/>
+                      <a:round/>
+                      <a:headEnd type="none" w="med" len="med"/>
+                      <a:tailEnd type="none" w="med" len="med"/>
+                    </a:lnR>
+                    <a:lnT w="12700" cap="flat" cmpd="sng" algn="ctr">
+                      <a:solidFill>
+                        <a:srgbClr val="DDDDDD"/>
+                      </a:solidFill>
+                      <a:prstDash val="solid"/>
+                      <a:round/>
+                      <a:headEnd type="none" w="med" len="med"/>
+                      <a:tailEnd type="none" w="med" len="med"/>
+                    </a:lnT>
+                    <a:lnB w="6350" cap="flat" cmpd="sng" algn="ctr">
+                      <a:solidFill>
+                        <a:srgbClr val="666666"/>
+                      </a:solidFill>
+                      <a:prstDash val="solid"/>
+                      <a:round/>
+                      <a:headEnd type="none" w="med" len="med"/>
+                      <a:tailEnd type="none" w="med" len="med"/>
+                    </a:lnB>
+                    <a:lnTlToBr w="12700" cmpd="sng">
+                      <a:noFill/>
+                      <a:prstDash val="solid"/>
+                    </a:lnTlToBr>
+                    <a:lnBlToTr w="12700" cmpd="sng">
+                      <a:noFill/>
+                      <a:prstDash val="solid"/>
+                    </a:lnBlToTr>
+                    <a:noFill/>
+                  </a:tcPr>
+                </a:tc>
+              </a:tr>
+            </a:tbl>
+          </a:graphicData>
+        </a:graphic>
+      </p:graphicFrame>
+    </p:spTree>
+  </p:cSld>
+  <p:clrMapOvr>
+    <a:masterClrMapping/>
+  </p:clrMapOvr>
+</p:sld>
+</file>
+
+<file path=ppt/slides/slide5.xml><?xml version="1.0" encoding="utf-8"?>
+<p:sld xmlns:a="http://schemas.openxmlformats.org/drawingml/2006/main" xmlns:r="http://schemas.openxmlformats.org/officeDocument/2006/relationships" xmlns:p="http://schemas.openxmlformats.org/presentationml/2006/main">
+  <p:cSld>
+    <p:spTree>
+      <p:nvGrpSpPr>
+        <p:cNvPr id="1" name=""/>
+        <p:cNvGrpSpPr/>
+        <p:nvPr/>
+      </p:nvGrpSpPr>
+      <p:grpSpPr>
+        <a:xfrm>
+          <a:off x="0" y="0"/>
+          <a:ext cx="0" cy="0"/>
+          <a:chOff x="0" y="0"/>
+          <a:chExt cx="0" cy="0"/>
+        </a:xfrm>
+      </p:grpSpPr>
+      <p:sp>
+        <p:nvSpPr>
+          <p:cNvPr id="2" name="标题 1"/>
+          <p:cNvSpPr>
+            <a:spLocks noGrp="1"/>
+          </p:cNvSpPr>
+          <p:nvPr>
+            <p:ph type="title"/>
+          </p:nvPr>
+        </p:nvSpPr>
+        <p:spPr>
+          <a:xfrm>
+            <a:off x="355911" y="227244"/>
+            <a:ext cx="7587933" cy="829647"/>
+          </a:xfrm>
+        </p:spPr>
+        <p:txBody>
+          <a:bodyPr>
+            <a:normAutofit fontScale="90000"/>
+          </a:bodyPr>
+          <a:lstStyle/>
+          <a:p>
+            <a:r>
+              <a:rPr lang="en-US" altLang="zh-CN" sz="3555" dirty="0">
+                <a:sym typeface="+mn-ea"/>
+              </a:rPr>
+              <a:t>The API definition proposal(unbind)</a:t>
+            </a:r>
+            <a:endParaRPr lang="zh-CN" altLang="en-US" sz="3555" dirty="0">
+              <a:sym typeface="+mn-ea"/>
+            </a:endParaRPr>
+          </a:p>
+        </p:txBody>
+      </p:sp>
+      <p:graphicFrame>
+        <p:nvGraphicFramePr>
+          <p:cNvPr id="4" name="表格 3"/>
+          <p:cNvGraphicFramePr>
+            <a:graphicFrameLocks noGrp="1"/>
+          </p:cNvGraphicFramePr>
+          <p:nvPr>
+            <p:custDataLst>
+              <p:tags r:id="rId1"/>
+            </p:custDataLst>
+          </p:nvPr>
+        </p:nvGraphicFramePr>
+        <p:xfrm>
+          <a:off x="481965" y="1701165"/>
+          <a:ext cx="10493375" cy="4436110"/>
+        </p:xfrm>
+        <a:graphic>
+          <a:graphicData uri="http://schemas.openxmlformats.org/drawingml/2006/table">
+            <a:tbl>
+              <a:tblPr firstRow="1" bandRow="1"/>
+              <a:tblGrid>
+                <a:gridCol w="2509520"/>
+                <a:gridCol w="7983855"/>
+              </a:tblGrid>
+              <a:tr h="497840">
+                <a:tc>
+                  <a:txBody>
+                    <a:bodyPr/>
+                    <a:lstStyle>
+                      <a:lvl1pPr marL="0" algn="l" defTabSz="1219200" rtl="0" eaLnBrk="1" latinLnBrk="0" hangingPunct="1">
+                        <a:defRPr sz="2400" b="1" kern="1200">
+                          <a:solidFill>
+                            <a:schemeClr val="bg1"/>
+                          </a:solidFill>
+                          <a:latin typeface="Calibri" panose="020F0502020204030204"/>
+                        </a:defRPr>
+                      </a:lvl1pPr>
+                      <a:lvl2pPr marL="609600" algn="l" defTabSz="1219200" rtl="0" eaLnBrk="1" latinLnBrk="0" hangingPunct="1">
+                        <a:defRPr sz="2400" b="1" kern="1200">
+                          <a:solidFill>
+                            <a:schemeClr val="bg1"/>
+                          </a:solidFill>
+                          <a:latin typeface="Calibri" panose="020F0502020204030204"/>
+                        </a:defRPr>
+                      </a:lvl2pPr>
+                      <a:lvl3pPr marL="1219200" algn="l" defTabSz="1219200" rtl="0" eaLnBrk="1" latinLnBrk="0" hangingPunct="1">
+                        <a:defRPr sz="2400" b="1" kern="1200">
+                          <a:solidFill>
+                            <a:schemeClr val="bg1"/>
+                          </a:solidFill>
+                          <a:latin typeface="Calibri" panose="020F0502020204030204"/>
+                        </a:defRPr>
+                      </a:lvl3pPr>
+                      <a:lvl4pPr marL="1828800" algn="l" defTabSz="1219200" rtl="0" eaLnBrk="1" latinLnBrk="0" hangingPunct="1">
+                        <a:defRPr sz="2400" b="1" kern="1200">
+                          <a:solidFill>
+                            <a:schemeClr val="bg1"/>
+                          </a:solidFill>
+                          <a:latin typeface="Calibri" panose="020F0502020204030204"/>
+                        </a:defRPr>
+                      </a:lvl4pPr>
+                      <a:lvl5pPr marL="2438400" algn="l" defTabSz="1219200" rtl="0" eaLnBrk="1" latinLnBrk="0" hangingPunct="1">
+                        <a:defRPr sz="2400" b="1" kern="1200">
+                          <a:solidFill>
+                            <a:schemeClr val="bg1"/>
+                          </a:solidFill>
+                          <a:latin typeface="Calibri" panose="020F0502020204030204"/>
+                        </a:defRPr>
+                      </a:lvl5pPr>
+                      <a:lvl6pPr marL="3048000" algn="l" defTabSz="1219200" rtl="0" eaLnBrk="1" latinLnBrk="0" hangingPunct="1">
+                        <a:defRPr sz="2400" b="1" kern="1200">
+                          <a:solidFill>
+                            <a:schemeClr val="bg1"/>
+                          </a:solidFill>
+                          <a:latin typeface="Calibri" panose="020F0502020204030204"/>
+                        </a:defRPr>
+                      </a:lvl6pPr>
+                      <a:lvl7pPr marL="3656965" algn="l" defTabSz="1219200" rtl="0" eaLnBrk="1" latinLnBrk="0" hangingPunct="1">
+                        <a:defRPr sz="2400" b="1" kern="1200">
+                          <a:solidFill>
+                            <a:schemeClr val="bg1"/>
+                          </a:solidFill>
+                          <a:latin typeface="Calibri" panose="020F0502020204030204"/>
+                        </a:defRPr>
+                      </a:lvl7pPr>
+                      <a:lvl8pPr marL="4266565" algn="l" defTabSz="1219200" rtl="0" eaLnBrk="1" latinLnBrk="0" hangingPunct="1">
+                        <a:defRPr sz="2400" b="1" kern="1200">
+                          <a:solidFill>
+                            <a:schemeClr val="bg1"/>
+                          </a:solidFill>
+                          <a:latin typeface="Calibri" panose="020F0502020204030204"/>
+                        </a:defRPr>
+                      </a:lvl8pPr>
+                      <a:lvl9pPr marL="4876165" algn="l" defTabSz="1219200" rtl="0" eaLnBrk="1" latinLnBrk="0" hangingPunct="1">
+                        <a:defRPr sz="2400" b="1" kern="1200">
+                          <a:solidFill>
+                            <a:schemeClr val="bg1"/>
+                          </a:solidFill>
+                          <a:latin typeface="Calibri" panose="020F0502020204030204"/>
+                        </a:defRPr>
+                      </a:lvl9pPr>
+                    </a:lstStyle>
+                    <a:p>
+                      <a:pPr algn="ctr"/>
+                      <a:r>
+                        <a:rPr lang="en-US" altLang="zh-CN" sz="1200" dirty="0">
+                          <a:solidFill>
+                            <a:schemeClr val="tx1"/>
+                          </a:solidFill>
+                          <a:latin typeface="Arial" panose="020B0604020202020204" pitchFamily="34" charset="0"/>
+                          <a:ea typeface="微软雅黑" panose="020B0503020204020204" pitchFamily="34" charset="-122"/>
+                          <a:cs typeface="Arial" panose="020B0604020202020204" pitchFamily="34" charset="0"/>
+                        </a:rPr>
+                        <a:t>API Name</a:t>
+                      </a:r>
+                      <a:endParaRPr lang="zh-CN" altLang="en-US" sz="1200" dirty="0">
+                        <a:solidFill>
+                          <a:schemeClr val="tx1"/>
+                        </a:solidFill>
+                        <a:latin typeface="Arial" panose="020B0604020202020204" pitchFamily="34" charset="0"/>
+                        <a:ea typeface="微软雅黑" panose="020B0503020204020204" pitchFamily="34" charset="-122"/>
+                        <a:cs typeface="Arial" panose="020B0604020202020204" pitchFamily="34" charset="0"/>
+                      </a:endParaRPr>
+                    </a:p>
+                  </a:txBody>
+                  <a:tcPr anchor="ctr">
+                    <a:lnL w="6350" cap="flat" cmpd="sng" algn="ctr">
+                      <a:solidFill>
+                        <a:srgbClr val="666666"/>
+                      </a:solidFill>
+                      <a:prstDash val="solid"/>
+                      <a:round/>
+                      <a:headEnd type="none" w="med" len="med"/>
+                      <a:tailEnd type="none" w="med" len="med"/>
+                    </a:lnL>
+                    <a:lnR w="6350" cap="flat" cmpd="sng" algn="ctr">
+                      <a:solidFill>
+                        <a:srgbClr val="666666"/>
+                      </a:solidFill>
+                      <a:prstDash val="solid"/>
+                      <a:round/>
+                      <a:headEnd type="none" w="med" len="med"/>
+                      <a:tailEnd type="none" w="med" len="med"/>
+                    </a:lnR>
+                    <a:lnT w="6350" cap="flat" cmpd="sng" algn="ctr">
+                      <a:solidFill>
+                        <a:srgbClr val="666666"/>
+                      </a:solidFill>
+                      <a:prstDash val="solid"/>
+                      <a:round/>
+                      <a:headEnd type="none" w="med" len="med"/>
+                      <a:tailEnd type="none" w="med" len="med"/>
+                    </a:lnT>
+                    <a:lnB w="6350" cap="flat" cmpd="sng" algn="ctr">
+                      <a:solidFill>
+                        <a:srgbClr val="666666"/>
+                      </a:solidFill>
+                      <a:prstDash val="solid"/>
+                      <a:round/>
+                      <a:headEnd type="none" w="med" len="med"/>
+                      <a:tailEnd type="none" w="med" len="med"/>
+                    </a:lnB>
+                    <a:lnTlToBr w="12700" cmpd="sng">
+                      <a:noFill/>
+                      <a:prstDash val="solid"/>
+                    </a:lnTlToBr>
+                    <a:lnBlToTr w="12700" cmpd="sng">
+                      <a:noFill/>
+                      <a:prstDash val="solid"/>
+                    </a:lnBlToTr>
+                    <a:solidFill>
+                      <a:srgbClr val="FFFFFF">
+                        <a:lumMod val="95000"/>
+                      </a:srgbClr>
+                    </a:solidFill>
+                  </a:tcPr>
+                </a:tc>
+                <a:tc>
+                  <a:txBody>
+                    <a:bodyPr/>
+                    <a:lstStyle>
+                      <a:lvl1pPr marL="0" algn="l" defTabSz="1219200" rtl="0" eaLnBrk="1" latinLnBrk="0" hangingPunct="1">
+                        <a:defRPr sz="2400" b="1" kern="1200">
+                          <a:solidFill>
+                            <a:schemeClr val="bg1"/>
+                          </a:solidFill>
+                          <a:latin typeface="Calibri" panose="020F0502020204030204"/>
+                        </a:defRPr>
+                      </a:lvl1pPr>
+                      <a:lvl2pPr marL="609600" algn="l" defTabSz="1219200" rtl="0" eaLnBrk="1" latinLnBrk="0" hangingPunct="1">
+                        <a:defRPr sz="2400" b="1" kern="1200">
+                          <a:solidFill>
+                            <a:schemeClr val="bg1"/>
+                          </a:solidFill>
+                          <a:latin typeface="Calibri" panose="020F0502020204030204"/>
+                        </a:defRPr>
+                      </a:lvl2pPr>
+                      <a:lvl3pPr marL="1219200" algn="l" defTabSz="1219200" rtl="0" eaLnBrk="1" latinLnBrk="0" hangingPunct="1">
+                        <a:defRPr sz="2400" b="1" kern="1200">
+                          <a:solidFill>
+                            <a:schemeClr val="bg1"/>
+                          </a:solidFill>
+                          <a:latin typeface="Calibri" panose="020F0502020204030204"/>
+                        </a:defRPr>
+                      </a:lvl3pPr>
+                      <a:lvl4pPr marL="1828800" algn="l" defTabSz="1219200" rtl="0" eaLnBrk="1" latinLnBrk="0" hangingPunct="1">
+                        <a:defRPr sz="2400" b="1" kern="1200">
+                          <a:solidFill>
+                            <a:schemeClr val="bg1"/>
+                          </a:solidFill>
+                          <a:latin typeface="Calibri" panose="020F0502020204030204"/>
+                        </a:defRPr>
+                      </a:lvl4pPr>
+                      <a:lvl5pPr marL="2438400" algn="l" defTabSz="1219200" rtl="0" eaLnBrk="1" latinLnBrk="0" hangingPunct="1">
+                        <a:defRPr sz="2400" b="1" kern="1200">
+                          <a:solidFill>
+                            <a:schemeClr val="bg1"/>
+                          </a:solidFill>
+                          <a:latin typeface="Calibri" panose="020F0502020204030204"/>
+                        </a:defRPr>
+                      </a:lvl5pPr>
+                      <a:lvl6pPr marL="3048000" algn="l" defTabSz="1219200" rtl="0" eaLnBrk="1" latinLnBrk="0" hangingPunct="1">
+                        <a:defRPr sz="2400" b="1" kern="1200">
+                          <a:solidFill>
+                            <a:schemeClr val="bg1"/>
+                          </a:solidFill>
+                          <a:latin typeface="Calibri" panose="020F0502020204030204"/>
+                        </a:defRPr>
+                      </a:lvl6pPr>
+                      <a:lvl7pPr marL="3656965" algn="l" defTabSz="1219200" rtl="0" eaLnBrk="1" latinLnBrk="0" hangingPunct="1">
+                        <a:defRPr sz="2400" b="1" kern="1200">
+                          <a:solidFill>
+                            <a:schemeClr val="bg1"/>
+                          </a:solidFill>
+                          <a:latin typeface="Calibri" panose="020F0502020204030204"/>
+                        </a:defRPr>
+                      </a:lvl7pPr>
+                      <a:lvl8pPr marL="4266565" algn="l" defTabSz="1219200" rtl="0" eaLnBrk="1" latinLnBrk="0" hangingPunct="1">
+                        <a:defRPr sz="2400" b="1" kern="1200">
+                          <a:solidFill>
+                            <a:schemeClr val="bg1"/>
+                          </a:solidFill>
+                          <a:latin typeface="Calibri" panose="020F0502020204030204"/>
+                        </a:defRPr>
+                      </a:lvl8pPr>
+                      <a:lvl9pPr marL="4876165" algn="l" defTabSz="1219200" rtl="0" eaLnBrk="1" latinLnBrk="0" hangingPunct="1">
+                        <a:defRPr sz="2400" b="1" kern="1200">
+                          <a:solidFill>
+                            <a:schemeClr val="bg1"/>
+                          </a:solidFill>
+                          <a:latin typeface="Calibri" panose="020F0502020204030204"/>
+                        </a:defRPr>
+                      </a:lvl9pPr>
+                    </a:lstStyle>
+                    <a:p>
+                      <a:pPr algn="ctr">
+                        <a:lnSpc>
+                          <a:spcPct val="150000"/>
+                        </a:lnSpc>
+                      </a:pPr>
+                      <a:r>
+                        <a:rPr sz="1400" b="1" dirty="0">
+                          <a:solidFill>
+                            <a:srgbClr val="0000FF"/>
+                          </a:solidFill>
+                          <a:latin typeface="Arial" panose="020B0604020202020204" pitchFamily="34" charset="0"/>
+                          <a:ea typeface="微软雅黑" panose="020B0503020204020204" pitchFamily="34" charset="-122"/>
+                          <a:cs typeface="Arial" panose="020B0604020202020204" pitchFamily="34" charset="0"/>
+                        </a:rPr>
+                        <a:t>IoT SIM Fraud Prevention </a:t>
+                      </a:r>
+                      <a:r>
+                        <a:rPr lang="en-US" sz="1400" b="1" dirty="0">
+                          <a:solidFill>
+                            <a:srgbClr val="0000FF"/>
+                          </a:solidFill>
+                          <a:latin typeface="Arial" panose="020B0604020202020204" pitchFamily="34" charset="0"/>
+                          <a:ea typeface="微软雅黑" panose="020B0503020204020204" pitchFamily="34" charset="-122"/>
+                          <a:cs typeface="Arial" panose="020B0604020202020204" pitchFamily="34" charset="0"/>
+                        </a:rPr>
+                        <a:t>Bind </a:t>
+                      </a:r>
+                      <a:r>
+                        <a:rPr lang="en-US" sz="1400" b="1" dirty="0">
+                          <a:solidFill>
+                            <a:srgbClr val="0000FF"/>
+                          </a:solidFill>
+                          <a:latin typeface="Arial" panose="020B0604020202020204" pitchFamily="34" charset="0"/>
+                          <a:ea typeface="微软雅黑" panose="020B0503020204020204" pitchFamily="34" charset="-122"/>
+                          <a:cs typeface="Arial" panose="020B0604020202020204" pitchFamily="34" charset="0"/>
+                        </a:rPr>
+                        <a:t>API</a:t>
+                      </a:r>
+                      <a:endParaRPr lang="en-US" sz="1400" b="1" dirty="0">
+                        <a:solidFill>
+                          <a:srgbClr val="0000FF"/>
+                        </a:solidFill>
+                        <a:latin typeface="Arial" panose="020B0604020202020204" pitchFamily="34" charset="0"/>
+                        <a:ea typeface="微软雅黑" panose="020B0503020204020204" pitchFamily="34" charset="-122"/>
+                        <a:cs typeface="Arial" panose="020B0604020202020204" pitchFamily="34" charset="0"/>
+                      </a:endParaRPr>
+                    </a:p>
+                  </a:txBody>
+                  <a:tcPr anchor="ctr">
+                    <a:lnL w="6350" cap="flat" cmpd="sng" algn="ctr">
+                      <a:solidFill>
+                        <a:srgbClr val="666666"/>
+                      </a:solidFill>
+                      <a:prstDash val="solid"/>
+                      <a:round/>
+                      <a:headEnd type="none" w="med" len="med"/>
+                      <a:tailEnd type="none" w="med" len="med"/>
+                    </a:lnL>
+                    <a:lnR w="6350" cap="flat" cmpd="sng" algn="ctr">
+                      <a:solidFill>
+                        <a:srgbClr val="666666"/>
+                      </a:solidFill>
+                      <a:prstDash val="solid"/>
+                      <a:round/>
+                      <a:headEnd type="none" w="med" len="med"/>
+                      <a:tailEnd type="none" w="med" len="med"/>
+                    </a:lnR>
+                    <a:lnT w="6350" cap="flat" cmpd="sng" algn="ctr">
+                      <a:solidFill>
+                        <a:srgbClr val="666666"/>
+                      </a:solidFill>
+                      <a:prstDash val="solid"/>
+                      <a:round/>
+                      <a:headEnd type="none" w="med" len="med"/>
+                      <a:tailEnd type="none" w="med" len="med"/>
+                    </a:lnT>
+                    <a:lnB w="6350" cap="flat" cmpd="sng" algn="ctr">
+                      <a:solidFill>
+                        <a:srgbClr val="666666"/>
+                      </a:solidFill>
+                      <a:prstDash val="solid"/>
+                      <a:round/>
+                      <a:headEnd type="none" w="med" len="med"/>
+                      <a:tailEnd type="none" w="med" len="med"/>
+                    </a:lnB>
+                    <a:lnTlToBr w="12700" cmpd="sng">
+                      <a:noFill/>
+                      <a:prstDash val="solid"/>
+                    </a:lnTlToBr>
+                    <a:lnBlToTr w="12700" cmpd="sng">
+                      <a:noFill/>
+                      <a:prstDash val="solid"/>
+                    </a:lnBlToTr>
+                    <a:solidFill>
+                      <a:srgbClr val="FFFFFF">
+                        <a:lumMod val="95000"/>
+                      </a:srgbClr>
+                    </a:solidFill>
+                  </a:tcPr>
+                </a:tc>
+              </a:tr>
+              <a:tr h="640080">
+                <a:tc>
+                  <a:txBody>
+                    <a:bodyPr/>
+                    <a:lstStyle>
+                      <a:lvl1pPr marL="0" algn="l" defTabSz="1219200" rtl="0" eaLnBrk="1" latinLnBrk="0" hangingPunct="1">
+                        <a:defRPr sz="2400" kern="1200">
+                          <a:solidFill>
+                            <a:schemeClr val="tx1"/>
+                          </a:solidFill>
+                          <a:latin typeface="Calibri" panose="020F0502020204030204"/>
+                        </a:defRPr>
+                      </a:lvl1pPr>
+                      <a:lvl2pPr marL="609600" algn="l" defTabSz="1219200" rtl="0" eaLnBrk="1" latinLnBrk="0" hangingPunct="1">
+                        <a:defRPr sz="2400" kern="1200">
+                          <a:solidFill>
+                            <a:schemeClr val="tx1"/>
+                          </a:solidFill>
+                          <a:latin typeface="Calibri" panose="020F0502020204030204"/>
+                        </a:defRPr>
+                      </a:lvl2pPr>
+                      <a:lvl3pPr marL="1219200" algn="l" defTabSz="1219200" rtl="0" eaLnBrk="1" latinLnBrk="0" hangingPunct="1">
+                        <a:defRPr sz="2400" kern="1200">
+                          <a:solidFill>
+                            <a:schemeClr val="tx1"/>
+                          </a:solidFill>
+                          <a:latin typeface="Calibri" panose="020F0502020204030204"/>
+                        </a:defRPr>
+                      </a:lvl3pPr>
+                      <a:lvl4pPr marL="1828800" algn="l" defTabSz="1219200" rtl="0" eaLnBrk="1" latinLnBrk="0" hangingPunct="1">
+                        <a:defRPr sz="2400" kern="1200">
+                          <a:solidFill>
+                            <a:schemeClr val="tx1"/>
+                          </a:solidFill>
+                          <a:latin typeface="Calibri" panose="020F0502020204030204"/>
+                        </a:defRPr>
+                      </a:lvl4pPr>
+                      <a:lvl5pPr marL="2438400" algn="l" defTabSz="1219200" rtl="0" eaLnBrk="1" latinLnBrk="0" hangingPunct="1">
+                        <a:defRPr sz="2400" kern="1200">
+                          <a:solidFill>
+                            <a:schemeClr val="tx1"/>
+                          </a:solidFill>
+                          <a:latin typeface="Calibri" panose="020F0502020204030204"/>
+                        </a:defRPr>
+                      </a:lvl5pPr>
+                      <a:lvl6pPr marL="3048000" algn="l" defTabSz="1219200" rtl="0" eaLnBrk="1" latinLnBrk="0" hangingPunct="1">
+                        <a:defRPr sz="2400" kern="1200">
+                          <a:solidFill>
+                            <a:schemeClr val="tx1"/>
+                          </a:solidFill>
+                          <a:latin typeface="Calibri" panose="020F0502020204030204"/>
+                        </a:defRPr>
+                      </a:lvl6pPr>
+                      <a:lvl7pPr marL="3656965" algn="l" defTabSz="1219200" rtl="0" eaLnBrk="1" latinLnBrk="0" hangingPunct="1">
+                        <a:defRPr sz="2400" kern="1200">
+                          <a:solidFill>
+                            <a:schemeClr val="tx1"/>
+                          </a:solidFill>
+                          <a:latin typeface="Calibri" panose="020F0502020204030204"/>
+                        </a:defRPr>
+                      </a:lvl7pPr>
+                      <a:lvl8pPr marL="4266565" algn="l" defTabSz="1219200" rtl="0" eaLnBrk="1" latinLnBrk="0" hangingPunct="1">
+                        <a:defRPr sz="2400" kern="1200">
+                          <a:solidFill>
+                            <a:schemeClr val="tx1"/>
+                          </a:solidFill>
+                          <a:latin typeface="Calibri" panose="020F0502020204030204"/>
+                        </a:defRPr>
+                      </a:lvl8pPr>
+                      <a:lvl9pPr marL="4876165" algn="l" defTabSz="1219200" rtl="0" eaLnBrk="1" latinLnBrk="0" hangingPunct="1">
+                        <a:defRPr sz="2400" kern="1200">
+                          <a:solidFill>
+                            <a:schemeClr val="tx1"/>
+                          </a:solidFill>
+                          <a:latin typeface="Calibri" panose="020F0502020204030204"/>
+                        </a:defRPr>
+                      </a:lvl9pPr>
+                    </a:lstStyle>
+                    <a:p>
+                      <a:pPr algn="ctr"/>
+                      <a:r>
+                        <a:rPr lang="en-US" altLang="zh-CN" sz="1200" b="1" dirty="0">
+                          <a:solidFill>
+                            <a:schemeClr val="tx1"/>
+                          </a:solidFill>
+                          <a:latin typeface="Arial" panose="020B0604020202020204" pitchFamily="34" charset="0"/>
+                          <a:ea typeface="微软雅黑" panose="020B0503020204020204" pitchFamily="34" charset="-122"/>
+                          <a:cs typeface="Arial" panose="020B0604020202020204" pitchFamily="34" charset="0"/>
+                        </a:rPr>
+                        <a:t>Description</a:t>
+                      </a:r>
+                      <a:endParaRPr lang="zh-CN" altLang="en-US" sz="1200" b="1" dirty="0">
+                        <a:solidFill>
+                          <a:schemeClr val="tx1"/>
+                        </a:solidFill>
+                        <a:latin typeface="Arial" panose="020B0604020202020204" pitchFamily="34" charset="0"/>
+                        <a:ea typeface="微软雅黑" panose="020B0503020204020204" pitchFamily="34" charset="-122"/>
+                        <a:cs typeface="Arial" panose="020B0604020202020204" pitchFamily="34" charset="0"/>
+                      </a:endParaRPr>
+                    </a:p>
+                  </a:txBody>
+                  <a:tcPr anchor="ctr">
+                    <a:lnL w="6350" cap="flat" cmpd="sng" algn="ctr">
+                      <a:solidFill>
+                        <a:srgbClr val="666666"/>
+                      </a:solidFill>
+                      <a:prstDash val="solid"/>
+                      <a:round/>
+                      <a:headEnd type="none" w="med" len="med"/>
+                      <a:tailEnd type="none" w="med" len="med"/>
+                    </a:lnL>
+                    <a:lnR w="12700" cap="flat" cmpd="sng" algn="ctr">
+                      <a:solidFill>
+                        <a:srgbClr val="DDDDDD"/>
+                      </a:solidFill>
+                      <a:prstDash val="solid"/>
+                      <a:round/>
+                      <a:headEnd type="none" w="med" len="med"/>
+                      <a:tailEnd type="none" w="med" len="med"/>
+                    </a:lnR>
+                    <a:lnT w="6350" cap="flat" cmpd="sng" algn="ctr">
+                      <a:solidFill>
+                        <a:srgbClr val="666666"/>
+                      </a:solidFill>
+                      <a:prstDash val="solid"/>
+                      <a:round/>
+                      <a:headEnd type="none" w="med" len="med"/>
+                      <a:tailEnd type="none" w="med" len="med"/>
+                    </a:lnT>
+                    <a:lnB w="12700" cap="flat" cmpd="sng" algn="ctr">
+                      <a:solidFill>
+                        <a:srgbClr val="DDDDDD"/>
+                      </a:solidFill>
+                      <a:prstDash val="solid"/>
+                      <a:round/>
+                      <a:headEnd type="none" w="med" len="med"/>
+                      <a:tailEnd type="none" w="med" len="med"/>
+                    </a:lnB>
+                    <a:lnTlToBr w="12700" cmpd="sng">
+                      <a:noFill/>
+                      <a:prstDash val="solid"/>
+                    </a:lnTlToBr>
+                    <a:lnBlToTr w="12700" cmpd="sng">
+                      <a:noFill/>
+                      <a:prstDash val="solid"/>
+                    </a:lnBlToTr>
+                    <a:noFill/>
+                  </a:tcPr>
+                </a:tc>
+                <a:tc>
+                  <a:txBody>
+                    <a:bodyPr/>
+                    <a:lstStyle>
+                      <a:lvl1pPr marL="0" algn="l" defTabSz="1219200" rtl="0" eaLnBrk="1" latinLnBrk="0" hangingPunct="1">
+                        <a:defRPr sz="2400" kern="1200">
+                          <a:solidFill>
+                            <a:schemeClr val="tx1"/>
+                          </a:solidFill>
+                          <a:latin typeface="Calibri" panose="020F0502020204030204"/>
+                        </a:defRPr>
+                      </a:lvl1pPr>
+                      <a:lvl2pPr marL="609600" algn="l" defTabSz="1219200" rtl="0" eaLnBrk="1" latinLnBrk="0" hangingPunct="1">
+                        <a:defRPr sz="2400" kern="1200">
+                          <a:solidFill>
+                            <a:schemeClr val="tx1"/>
+                          </a:solidFill>
+                          <a:latin typeface="Calibri" panose="020F0502020204030204"/>
+                        </a:defRPr>
+                      </a:lvl2pPr>
+                      <a:lvl3pPr marL="1219200" algn="l" defTabSz="1219200" rtl="0" eaLnBrk="1" latinLnBrk="0" hangingPunct="1">
+                        <a:defRPr sz="2400" kern="1200">
+                          <a:solidFill>
+                            <a:schemeClr val="tx1"/>
+                          </a:solidFill>
+                          <a:latin typeface="Calibri" panose="020F0502020204030204"/>
+                        </a:defRPr>
+                      </a:lvl3pPr>
+                      <a:lvl4pPr marL="1828800" algn="l" defTabSz="1219200" rtl="0" eaLnBrk="1" latinLnBrk="0" hangingPunct="1">
+                        <a:defRPr sz="2400" kern="1200">
+                          <a:solidFill>
+                            <a:schemeClr val="tx1"/>
+                          </a:solidFill>
+                          <a:latin typeface="Calibri" panose="020F0502020204030204"/>
+                        </a:defRPr>
+                      </a:lvl4pPr>
+                      <a:lvl5pPr marL="2438400" algn="l" defTabSz="1219200" rtl="0" eaLnBrk="1" latinLnBrk="0" hangingPunct="1">
+                        <a:defRPr sz="2400" kern="1200">
+                          <a:solidFill>
+                            <a:schemeClr val="tx1"/>
+                          </a:solidFill>
+                          <a:latin typeface="Calibri" panose="020F0502020204030204"/>
+                        </a:defRPr>
+                      </a:lvl5pPr>
+                      <a:lvl6pPr marL="3048000" algn="l" defTabSz="1219200" rtl="0" eaLnBrk="1" latinLnBrk="0" hangingPunct="1">
+                        <a:defRPr sz="2400" kern="1200">
+                          <a:solidFill>
+                            <a:schemeClr val="tx1"/>
+                          </a:solidFill>
+                          <a:latin typeface="Calibri" panose="020F0502020204030204"/>
+                        </a:defRPr>
+                      </a:lvl6pPr>
+                      <a:lvl7pPr marL="3656965" algn="l" defTabSz="1219200" rtl="0" eaLnBrk="1" latinLnBrk="0" hangingPunct="1">
+                        <a:defRPr sz="2400" kern="1200">
+                          <a:solidFill>
+                            <a:schemeClr val="tx1"/>
+                          </a:solidFill>
+                          <a:latin typeface="Calibri" panose="020F0502020204030204"/>
+                        </a:defRPr>
+                      </a:lvl7pPr>
+                      <a:lvl8pPr marL="4266565" algn="l" defTabSz="1219200" rtl="0" eaLnBrk="1" latinLnBrk="0" hangingPunct="1">
+                        <a:defRPr sz="2400" kern="1200">
+                          <a:solidFill>
+                            <a:schemeClr val="tx1"/>
+                          </a:solidFill>
+                          <a:latin typeface="Calibri" panose="020F0502020204030204"/>
+                        </a:defRPr>
+                      </a:lvl8pPr>
+                      <a:lvl9pPr marL="4876165" algn="l" defTabSz="1219200" rtl="0" eaLnBrk="1" latinLnBrk="0" hangingPunct="1">
+                        <a:defRPr sz="2400" kern="1200">
+                          <a:solidFill>
+                            <a:schemeClr val="tx1"/>
+                          </a:solidFill>
+                          <a:latin typeface="Calibri" panose="020F0502020204030204"/>
+                        </a:defRPr>
+                      </a:lvl9pPr>
+                    </a:lstStyle>
+                    <a:p>
+                      <a:pPr algn="l"/>
+                      <a:r>
+                        <a:rPr lang="en-US" altLang="zh-CN" sz="1200" dirty="0">
+                          <a:latin typeface="Arial" panose="020B0604020202020204" pitchFamily="34" charset="0"/>
+                          <a:ea typeface="微软雅黑" panose="020B0503020204020204" pitchFamily="34" charset="-122"/>
+                          <a:cs typeface="Arial" panose="020B0604020202020204" pitchFamily="34" charset="0"/>
+                          <a:sym typeface="+mn-ea"/>
+                        </a:rPr>
+                        <a:t>This API allows enterprise customers to unbind imei or area to the card.</a:t>
+                      </a:r>
+                      <a:endParaRPr lang="en-US" altLang="zh-CN" sz="1200" dirty="0">
+                        <a:latin typeface="Arial" panose="020B0604020202020204" pitchFamily="34" charset="0"/>
+                        <a:ea typeface="微软雅黑" panose="020B0503020204020204" pitchFamily="34" charset="-122"/>
+                        <a:cs typeface="Arial" panose="020B0604020202020204" pitchFamily="34" charset="0"/>
+                        <a:sym typeface="+mn-ea"/>
+                      </a:endParaRPr>
+                    </a:p>
+                  </a:txBody>
+                  <a:tcPr anchor="ctr">
+                    <a:lnL w="12700" cap="flat" cmpd="sng" algn="ctr">
+                      <a:solidFill>
+                        <a:srgbClr val="DDDDDD"/>
+                      </a:solidFill>
+                      <a:prstDash val="solid"/>
+                      <a:round/>
+                      <a:headEnd type="none" w="med" len="med"/>
+                      <a:tailEnd type="none" w="med" len="med"/>
+                    </a:lnL>
+                    <a:lnR w="6350" cap="flat" cmpd="sng" algn="ctr">
+                      <a:solidFill>
+                        <a:srgbClr val="666666"/>
+                      </a:solidFill>
+                      <a:prstDash val="solid"/>
+                      <a:round/>
+                      <a:headEnd type="none" w="med" len="med"/>
+                      <a:tailEnd type="none" w="med" len="med"/>
+                    </a:lnR>
+                    <a:lnT w="6350" cap="flat" cmpd="sng" algn="ctr">
+                      <a:solidFill>
+                        <a:srgbClr val="666666"/>
+                      </a:solidFill>
+                      <a:prstDash val="solid"/>
+                      <a:round/>
+                      <a:headEnd type="none" w="med" len="med"/>
+                      <a:tailEnd type="none" w="med" len="med"/>
+                    </a:lnT>
+                    <a:lnB w="12700" cap="flat" cmpd="sng" algn="ctr">
+                      <a:solidFill>
+                        <a:srgbClr val="DDDDDD"/>
+                      </a:solidFill>
+                      <a:prstDash val="solid"/>
+                      <a:round/>
+                      <a:headEnd type="none" w="med" len="med"/>
+                      <a:tailEnd type="none" w="med" len="med"/>
+                    </a:lnB>
+                    <a:lnTlToBr w="12700" cmpd="sng">
+                      <a:noFill/>
+                      <a:prstDash val="solid"/>
+                    </a:lnTlToBr>
+                    <a:lnBlToTr w="12700" cmpd="sng">
+                      <a:noFill/>
+                      <a:prstDash val="solid"/>
+                    </a:lnBlToTr>
+                    <a:noFill/>
+                  </a:tcPr>
+                </a:tc>
+              </a:tr>
+              <a:tr h="388620">
+                <a:tc rowSpan="6">
+                  <a:txBody>
+                    <a:bodyPr/>
+                    <a:lstStyle>
+                      <a:lvl1pPr marL="0" algn="l" defTabSz="1219200" rtl="0" eaLnBrk="1" latinLnBrk="0" hangingPunct="1">
+                        <a:defRPr sz="2400" kern="1200">
+                          <a:solidFill>
+                            <a:schemeClr val="tx1"/>
+                          </a:solidFill>
+                          <a:latin typeface="Calibri" panose="020F0502020204030204"/>
+                        </a:defRPr>
+                      </a:lvl1pPr>
+                      <a:lvl2pPr marL="609600" algn="l" defTabSz="1219200" rtl="0" eaLnBrk="1" latinLnBrk="0" hangingPunct="1">
+                        <a:defRPr sz="2400" kern="1200">
+                          <a:solidFill>
+                            <a:schemeClr val="tx1"/>
+                          </a:solidFill>
+                          <a:latin typeface="Calibri" panose="020F0502020204030204"/>
+                        </a:defRPr>
+                      </a:lvl2pPr>
+                      <a:lvl3pPr marL="1219200" algn="l" defTabSz="1219200" rtl="0" eaLnBrk="1" latinLnBrk="0" hangingPunct="1">
+                        <a:defRPr sz="2400" kern="1200">
+                          <a:solidFill>
+                            <a:schemeClr val="tx1"/>
+                          </a:solidFill>
+                          <a:latin typeface="Calibri" panose="020F0502020204030204"/>
+                        </a:defRPr>
+                      </a:lvl3pPr>
+                      <a:lvl4pPr marL="1828800" algn="l" defTabSz="1219200" rtl="0" eaLnBrk="1" latinLnBrk="0" hangingPunct="1">
+                        <a:defRPr sz="2400" kern="1200">
+                          <a:solidFill>
+                            <a:schemeClr val="tx1"/>
+                          </a:solidFill>
+                          <a:latin typeface="Calibri" panose="020F0502020204030204"/>
+                        </a:defRPr>
+                      </a:lvl4pPr>
+                      <a:lvl5pPr marL="2438400" algn="l" defTabSz="1219200" rtl="0" eaLnBrk="1" latinLnBrk="0" hangingPunct="1">
+                        <a:defRPr sz="2400" kern="1200">
+                          <a:solidFill>
+                            <a:schemeClr val="tx1"/>
+                          </a:solidFill>
+                          <a:latin typeface="Calibri" panose="020F0502020204030204"/>
+                        </a:defRPr>
+                      </a:lvl5pPr>
+                      <a:lvl6pPr marL="3048000" algn="l" defTabSz="1219200" rtl="0" eaLnBrk="1" latinLnBrk="0" hangingPunct="1">
+                        <a:defRPr sz="2400" kern="1200">
+                          <a:solidFill>
+                            <a:schemeClr val="tx1"/>
+                          </a:solidFill>
+                          <a:latin typeface="Calibri" panose="020F0502020204030204"/>
+                        </a:defRPr>
+                      </a:lvl6pPr>
+                      <a:lvl7pPr marL="3656965" algn="l" defTabSz="1219200" rtl="0" eaLnBrk="1" latinLnBrk="0" hangingPunct="1">
+                        <a:defRPr sz="2400" kern="1200">
+                          <a:solidFill>
+                            <a:schemeClr val="tx1"/>
+                          </a:solidFill>
+                          <a:latin typeface="Calibri" panose="020F0502020204030204"/>
+                        </a:defRPr>
+                      </a:lvl7pPr>
+                      <a:lvl8pPr marL="4266565" algn="l" defTabSz="1219200" rtl="0" eaLnBrk="1" latinLnBrk="0" hangingPunct="1">
+                        <a:defRPr sz="2400" kern="1200">
+                          <a:solidFill>
+                            <a:schemeClr val="tx1"/>
+                          </a:solidFill>
+                          <a:latin typeface="Calibri" panose="020F0502020204030204"/>
+                        </a:defRPr>
+                      </a:lvl8pPr>
+                      <a:lvl9pPr marL="4876165" algn="l" defTabSz="1219200" rtl="0" eaLnBrk="1" latinLnBrk="0" hangingPunct="1">
+                        <a:defRPr sz="2400" kern="1200">
+                          <a:solidFill>
+                            <a:schemeClr val="tx1"/>
+                          </a:solidFill>
+                          <a:latin typeface="Calibri" panose="020F0502020204030204"/>
+                        </a:defRPr>
+                      </a:lvl9pPr>
+                    </a:lstStyle>
+                    <a:p>
+                      <a:pPr algn="ctr"/>
+                      <a:r>
+                        <a:rPr lang="en-US" altLang="zh-CN" sz="1200" b="1" dirty="0">
+                          <a:latin typeface="Arial" panose="020B0604020202020204" pitchFamily="34" charset="0"/>
+                          <a:ea typeface="微软雅黑" panose="020B0503020204020204" pitchFamily="34" charset="-122"/>
+                          <a:cs typeface="Arial" panose="020B0604020202020204" pitchFamily="34" charset="0"/>
+                        </a:rPr>
+                        <a:t>Input Parameters</a:t>
+                      </a:r>
+                      <a:endParaRPr lang="zh-CN" altLang="en-US" sz="1200" b="1" dirty="0">
+                        <a:latin typeface="Arial" panose="020B0604020202020204" pitchFamily="34" charset="0"/>
+                        <a:cs typeface="Arial" panose="020B0604020202020204" pitchFamily="34" charset="0"/>
+                      </a:endParaRPr>
+                    </a:p>
+                  </a:txBody>
+                  <a:tcPr anchor="ctr">
+                    <a:lnL w="6350" cap="flat" cmpd="sng" algn="ctr">
+                      <a:solidFill>
+                        <a:srgbClr val="666666"/>
+                      </a:solidFill>
+                      <a:prstDash val="solid"/>
+                      <a:round/>
+                      <a:headEnd type="none" w="med" len="med"/>
+                      <a:tailEnd type="none" w="med" len="med"/>
+                    </a:lnL>
+                    <a:lnR w="12700" cap="flat" cmpd="sng" algn="ctr">
+                      <a:solidFill>
+                        <a:srgbClr val="DDDDDD"/>
+                      </a:solidFill>
+                      <a:prstDash val="solid"/>
+                      <a:round/>
+                      <a:headEnd type="none" w="med" len="med"/>
+                      <a:tailEnd type="none" w="med" len="med"/>
+                    </a:lnR>
+                    <a:lnT w="12700" cap="flat" cmpd="sng" algn="ctr">
+                      <a:solidFill>
+                        <a:srgbClr val="DDDDDD"/>
+                      </a:solidFill>
+                      <a:prstDash val="solid"/>
+                      <a:round/>
+                      <a:headEnd type="none" w="med" len="med"/>
+                      <a:tailEnd type="none" w="med" len="med"/>
+                    </a:lnT>
+                    <a:lnB w="12700" cap="flat" cmpd="sng" algn="ctr">
+                      <a:solidFill>
+                        <a:srgbClr val="DDDDDD"/>
+                      </a:solidFill>
+                      <a:prstDash val="solid"/>
+                      <a:round/>
+                      <a:headEnd type="none" w="med" len="med"/>
+                      <a:tailEnd type="none" w="med" len="med"/>
+                    </a:lnB>
+                    <a:lnTlToBr w="12700" cmpd="sng">
+                      <a:noFill/>
+                      <a:prstDash val="solid"/>
+                    </a:lnTlToBr>
+                    <a:lnBlToTr w="12700" cmpd="sng">
+                      <a:noFill/>
+                      <a:prstDash val="solid"/>
+                    </a:lnBlToTr>
+                    <a:noFill/>
+                  </a:tcPr>
+                </a:tc>
+                <a:tc>
+                  <a:txBody>
+                    <a:bodyPr/>
+                    <a:lstStyle>
+                      <a:lvl1pPr marL="0" algn="l" defTabSz="1219200" rtl="0" eaLnBrk="1" latinLnBrk="0" hangingPunct="1">
+                        <a:defRPr sz="2400" kern="1200">
+                          <a:solidFill>
+                            <a:schemeClr val="tx1"/>
+                          </a:solidFill>
+                          <a:latin typeface="Calibri" panose="020F0502020204030204"/>
+                        </a:defRPr>
+                      </a:lvl1pPr>
+                      <a:lvl2pPr marL="609600" algn="l" defTabSz="1219200" rtl="0" eaLnBrk="1" latinLnBrk="0" hangingPunct="1">
+                        <a:defRPr sz="2400" kern="1200">
+                          <a:solidFill>
+                            <a:schemeClr val="tx1"/>
+                          </a:solidFill>
+                          <a:latin typeface="Calibri" panose="020F0502020204030204"/>
+                        </a:defRPr>
+                      </a:lvl2pPr>
+                      <a:lvl3pPr marL="1219200" algn="l" defTabSz="1219200" rtl="0" eaLnBrk="1" latinLnBrk="0" hangingPunct="1">
+                        <a:defRPr sz="2400" kern="1200">
+                          <a:solidFill>
+                            <a:schemeClr val="tx1"/>
+                          </a:solidFill>
+                          <a:latin typeface="Calibri" panose="020F0502020204030204"/>
+                        </a:defRPr>
+                      </a:lvl3pPr>
+                      <a:lvl4pPr marL="1828800" algn="l" defTabSz="1219200" rtl="0" eaLnBrk="1" latinLnBrk="0" hangingPunct="1">
+                        <a:defRPr sz="2400" kern="1200">
+                          <a:solidFill>
+                            <a:schemeClr val="tx1"/>
+                          </a:solidFill>
+                          <a:latin typeface="Calibri" panose="020F0502020204030204"/>
+                        </a:defRPr>
+                      </a:lvl4pPr>
+                      <a:lvl5pPr marL="2438400" algn="l" defTabSz="1219200" rtl="0" eaLnBrk="1" latinLnBrk="0" hangingPunct="1">
+                        <a:defRPr sz="2400" kern="1200">
+                          <a:solidFill>
+                            <a:schemeClr val="tx1"/>
+                          </a:solidFill>
+                          <a:latin typeface="Calibri" panose="020F0502020204030204"/>
+                        </a:defRPr>
+                      </a:lvl5pPr>
+                      <a:lvl6pPr marL="3048000" algn="l" defTabSz="1219200" rtl="0" eaLnBrk="1" latinLnBrk="0" hangingPunct="1">
+                        <a:defRPr sz="2400" kern="1200">
+                          <a:solidFill>
+                            <a:schemeClr val="tx1"/>
+                          </a:solidFill>
+                          <a:latin typeface="Calibri" panose="020F0502020204030204"/>
+                        </a:defRPr>
+                      </a:lvl6pPr>
+                      <a:lvl7pPr marL="3656965" algn="l" defTabSz="1219200" rtl="0" eaLnBrk="1" latinLnBrk="0" hangingPunct="1">
+                        <a:defRPr sz="2400" kern="1200">
+                          <a:solidFill>
+                            <a:schemeClr val="tx1"/>
+                          </a:solidFill>
+                          <a:latin typeface="Calibri" panose="020F0502020204030204"/>
+                        </a:defRPr>
+                      </a:lvl7pPr>
+                      <a:lvl8pPr marL="4266565" algn="l" defTabSz="1219200" rtl="0" eaLnBrk="1" latinLnBrk="0" hangingPunct="1">
+                        <a:defRPr sz="2400" kern="1200">
+                          <a:solidFill>
+                            <a:schemeClr val="tx1"/>
+                          </a:solidFill>
+                          <a:latin typeface="Calibri" panose="020F0502020204030204"/>
+                        </a:defRPr>
+                      </a:lvl8pPr>
+                      <a:lvl9pPr marL="4876165" algn="l" defTabSz="1219200" rtl="0" eaLnBrk="1" latinLnBrk="0" hangingPunct="1">
+                        <a:defRPr sz="2400" kern="1200">
+                          <a:solidFill>
+                            <a:schemeClr val="tx1"/>
+                          </a:solidFill>
+                          <a:latin typeface="Calibri" panose="020F0502020204030204"/>
+                        </a:defRPr>
+                      </a:lvl9pPr>
+                    </a:lstStyle>
+                    <a:p>
+                      <a:pPr marL="285750" indent="-285750" algn="l">
+                        <a:lnSpc>
+                          <a:spcPct val="120000"/>
+                        </a:lnSpc>
+                        <a:buFont typeface="Arial" panose="020B0604020202020204" pitchFamily="34" charset="0"/>
+                        <a:buChar char="•"/>
+                      </a:pPr>
+                      <a:r>
+                        <a:rPr lang="en-US" altLang="zh-CN" sz="1200" spc="-10" dirty="0">
+                          <a:solidFill>
+                            <a:srgbClr val="0070C0"/>
+                          </a:solidFill>
+                          <a:latin typeface="微软雅黑" panose="020B0503020204020204" pitchFamily="34" charset="-122"/>
+                          <a:cs typeface="Arial" panose="020B0604020202020204" pitchFamily="34" charset="0"/>
+                          <a:sym typeface="+mn-ea"/>
+                        </a:rPr>
+                        <a:t>device</a:t>
+                      </a:r>
+                      <a:r>
+                        <a:rPr lang="en-US" altLang="zh-CN" sz="1200" dirty="0">
+                          <a:latin typeface="Arial" panose="020B0604020202020204" pitchFamily="34" charset="0"/>
+                          <a:ea typeface="微软雅黑" panose="020B0503020204020204" pitchFamily="34" charset="-122"/>
+                          <a:cs typeface="Arial" panose="020B0604020202020204" pitchFamily="34" charset="0"/>
+                          <a:sym typeface="+mn-ea"/>
+                        </a:rPr>
+                        <a:t>(Device)</a:t>
+                      </a:r>
+                      <a:r>
+                        <a:rPr lang="zh-CN" altLang="en-US" sz="1200" b="0" kern="1200" dirty="0">
+                          <a:solidFill>
+                            <a:schemeClr val="tx1"/>
+                          </a:solidFill>
+                          <a:latin typeface="Arial" panose="020B0604020202020204" pitchFamily="34" charset="0"/>
+                          <a:ea typeface="微软雅黑" panose="020B0503020204020204" pitchFamily="34" charset="-122"/>
+                          <a:cs typeface="Arial" panose="020B0604020202020204" pitchFamily="34" charset="0"/>
+                        </a:rPr>
+                        <a:t>：</a:t>
+                      </a:r>
+                      <a:r>
+                        <a:rPr lang="en-US" altLang="zh-CN" sz="1200" b="0" kern="1200" dirty="0">
+                          <a:solidFill>
+                            <a:schemeClr val="tx1"/>
+                          </a:solidFill>
+                          <a:latin typeface="Arial" panose="020B0604020202020204" pitchFamily="34" charset="0"/>
+                          <a:ea typeface="微软雅黑" panose="020B0503020204020204" pitchFamily="34" charset="-122"/>
+                          <a:cs typeface="Arial" panose="020B0604020202020204" pitchFamily="34" charset="0"/>
+                        </a:rPr>
+                        <a:t>The developer can choose to provide the below specified device identifiers: ipv4Address, ipv6Address, phoneNumber,networkAccessIdentifier.</a:t>
+                      </a:r>
+                      <a:endParaRPr lang="en-US" altLang="zh-CN" sz="1200" b="0" kern="1200" dirty="0">
+                        <a:solidFill>
+                          <a:schemeClr val="tx1"/>
+                        </a:solidFill>
+                        <a:latin typeface="Arial" panose="020B0604020202020204" pitchFamily="34" charset="0"/>
+                        <a:ea typeface="微软雅黑" panose="020B0503020204020204" pitchFamily="34" charset="-122"/>
+                        <a:cs typeface="Arial" panose="020B0604020202020204" pitchFamily="34" charset="0"/>
+                      </a:endParaRPr>
+                    </a:p>
+                  </a:txBody>
+                  <a:tcPr anchor="ctr">
+                    <a:lnL w="12700" cap="flat" cmpd="sng" algn="ctr">
+                      <a:solidFill>
+                        <a:srgbClr val="DDDDDD"/>
+                      </a:solidFill>
+                      <a:prstDash val="solid"/>
+                      <a:round/>
+                      <a:headEnd type="none" w="med" len="med"/>
+                      <a:tailEnd type="none" w="med" len="med"/>
+                    </a:lnL>
+                    <a:lnR w="6350" cap="flat" cmpd="sng" algn="ctr">
+                      <a:solidFill>
+                        <a:srgbClr val="666666"/>
+                      </a:solidFill>
+                      <a:prstDash val="solid"/>
+                      <a:round/>
+                      <a:headEnd type="none" w="med" len="med"/>
+                      <a:tailEnd type="none" w="med" len="med"/>
+                    </a:lnR>
+                    <a:lnT w="12700" cap="flat" cmpd="sng" algn="ctr">
+                      <a:solidFill>
+                        <a:srgbClr val="DDDDDD"/>
+                      </a:solidFill>
+                      <a:prstDash val="solid"/>
+                      <a:round/>
+                      <a:headEnd type="none" w="med" len="med"/>
+                      <a:tailEnd type="none" w="med" len="med"/>
+                    </a:lnT>
+                    <a:lnB w="12700" cap="flat" cmpd="sng" algn="ctr">
+                      <a:solidFill>
+                        <a:srgbClr val="DDDDDD"/>
+                      </a:solidFill>
+                      <a:prstDash val="solid"/>
+                      <a:round/>
+                      <a:headEnd type="none" w="med" len="med"/>
+                      <a:tailEnd type="none" w="med" len="med"/>
+                    </a:lnB>
+                    <a:lnTlToBr w="12700" cmpd="sng">
+                      <a:noFill/>
+                      <a:prstDash val="solid"/>
+                    </a:lnTlToBr>
+                    <a:lnBlToTr w="12700" cmpd="sng">
+                      <a:noFill/>
+                      <a:prstDash val="solid"/>
+                    </a:lnBlToTr>
+                    <a:noFill/>
+                  </a:tcPr>
+                </a:tc>
+              </a:tr>
+              <a:tr h="509270">
+                <a:tc vMerge="1">
+                  <a:tcPr/>
+                </a:tc>
+                <a:tc>
+                  <a:txBody>
+                    <a:bodyPr/>
+                    <a:lstStyle>
+                      <a:lvl1pPr marL="0" algn="l" defTabSz="1219200" rtl="0" eaLnBrk="1" latinLnBrk="0" hangingPunct="1">
+                        <a:defRPr sz="2400" kern="1200">
+                          <a:solidFill>
+                            <a:schemeClr val="tx1"/>
+                          </a:solidFill>
+                          <a:latin typeface="Calibri" panose="020F0502020204030204"/>
+                        </a:defRPr>
+                      </a:lvl1pPr>
+                      <a:lvl2pPr marL="609600" algn="l" defTabSz="1219200" rtl="0" eaLnBrk="1" latinLnBrk="0" hangingPunct="1">
+                        <a:defRPr sz="2400" kern="1200">
+                          <a:solidFill>
+                            <a:schemeClr val="tx1"/>
+                          </a:solidFill>
+                          <a:latin typeface="Calibri" panose="020F0502020204030204"/>
+                        </a:defRPr>
+                      </a:lvl2pPr>
+                      <a:lvl3pPr marL="1219200" algn="l" defTabSz="1219200" rtl="0" eaLnBrk="1" latinLnBrk="0" hangingPunct="1">
+                        <a:defRPr sz="2400" kern="1200">
+                          <a:solidFill>
+                            <a:schemeClr val="tx1"/>
+                          </a:solidFill>
+                          <a:latin typeface="Calibri" panose="020F0502020204030204"/>
+                        </a:defRPr>
+                      </a:lvl3pPr>
+                      <a:lvl4pPr marL="1828800" algn="l" defTabSz="1219200" rtl="0" eaLnBrk="1" latinLnBrk="0" hangingPunct="1">
+                        <a:defRPr sz="2400" kern="1200">
+                          <a:solidFill>
+                            <a:schemeClr val="tx1"/>
+                          </a:solidFill>
+                          <a:latin typeface="Calibri" panose="020F0502020204030204"/>
+                        </a:defRPr>
+                      </a:lvl4pPr>
+                      <a:lvl5pPr marL="2438400" algn="l" defTabSz="1219200" rtl="0" eaLnBrk="1" latinLnBrk="0" hangingPunct="1">
+                        <a:defRPr sz="2400" kern="1200">
+                          <a:solidFill>
+                            <a:schemeClr val="tx1"/>
+                          </a:solidFill>
+                          <a:latin typeface="Calibri" panose="020F0502020204030204"/>
+                        </a:defRPr>
+                      </a:lvl5pPr>
+                      <a:lvl6pPr marL="3048000" algn="l" defTabSz="1219200" rtl="0" eaLnBrk="1" latinLnBrk="0" hangingPunct="1">
+                        <a:defRPr sz="2400" kern="1200">
+                          <a:solidFill>
+                            <a:schemeClr val="tx1"/>
+                          </a:solidFill>
+                          <a:latin typeface="Calibri" panose="020F0502020204030204"/>
+                        </a:defRPr>
+                      </a:lvl6pPr>
+                      <a:lvl7pPr marL="3656965" algn="l" defTabSz="1219200" rtl="0" eaLnBrk="1" latinLnBrk="0" hangingPunct="1">
+                        <a:defRPr sz="2400" kern="1200">
+                          <a:solidFill>
+                            <a:schemeClr val="tx1"/>
+                          </a:solidFill>
+                          <a:latin typeface="Calibri" panose="020F0502020204030204"/>
+                        </a:defRPr>
+                      </a:lvl7pPr>
+                      <a:lvl8pPr marL="4266565" algn="l" defTabSz="1219200" rtl="0" eaLnBrk="1" latinLnBrk="0" hangingPunct="1">
+                        <a:defRPr sz="2400" kern="1200">
+                          <a:solidFill>
+                            <a:schemeClr val="tx1"/>
+                          </a:solidFill>
+                          <a:latin typeface="Calibri" panose="020F0502020204030204"/>
+                        </a:defRPr>
+                      </a:lvl8pPr>
+                      <a:lvl9pPr marL="4876165" algn="l" defTabSz="1219200" rtl="0" eaLnBrk="1" latinLnBrk="0" hangingPunct="1">
+                        <a:defRPr sz="2400" kern="1200">
+                          <a:solidFill>
+                            <a:schemeClr val="tx1"/>
+                          </a:solidFill>
+                          <a:latin typeface="Calibri" panose="020F0502020204030204"/>
+                        </a:defRPr>
+                      </a:lvl9pPr>
+                    </a:lstStyle>
+                    <a:p>
+                      <a:pPr marL="285750" indent="-285750" algn="l">
+                        <a:lnSpc>
+                          <a:spcPct val="120000"/>
+                        </a:lnSpc>
+                        <a:buFont typeface="Arial" panose="020B0604020202020204" pitchFamily="34" charset="0"/>
+                        <a:buChar char="•"/>
+                      </a:pPr>
+                      <a:r>
+                        <a:rPr sz="1200" dirty="0">
+                          <a:cs typeface="Arial" panose="020B0604020202020204" pitchFamily="34" charset="0"/>
+                        </a:rPr>
+                        <a:t>UnBindType: Such as arealimit or imeibind</a:t>
+                      </a:r>
+                      <a:endParaRPr sz="1200" dirty="0">
+                        <a:cs typeface="Arial" panose="020B0604020202020204" pitchFamily="34" charset="0"/>
+                      </a:endParaRPr>
+                    </a:p>
+                  </a:txBody>
+                  <a:tcPr anchor="ctr">
+                    <a:lnL w="12700" cap="flat" cmpd="sng" algn="ctr">
+                      <a:solidFill>
+                        <a:srgbClr val="DDDDDD"/>
+                      </a:solidFill>
+                      <a:prstDash val="solid"/>
+                      <a:round/>
+                      <a:headEnd type="none" w="med" len="med"/>
+                      <a:tailEnd type="none" w="med" len="med"/>
+                    </a:lnL>
+                    <a:lnR w="6350" cap="flat" cmpd="sng" algn="ctr">
+                      <a:solidFill>
+                        <a:srgbClr val="666666"/>
+                      </a:solidFill>
+                      <a:prstDash val="solid"/>
+                      <a:round/>
+                      <a:headEnd type="none" w="med" len="med"/>
+                      <a:tailEnd type="none" w="med" len="med"/>
+                    </a:lnR>
+                    <a:lnT w="12700" cap="flat" cmpd="sng" algn="ctr">
+                      <a:solidFill>
+                        <a:srgbClr val="DDDDDD"/>
+                      </a:solidFill>
+                      <a:prstDash val="solid"/>
+                      <a:round/>
+                      <a:headEnd type="none" w="med" len="med"/>
+                      <a:tailEnd type="none" w="med" len="med"/>
+                    </a:lnT>
+                    <a:lnB w="12700" cap="flat" cmpd="sng" algn="ctr">
+                      <a:solidFill>
+                        <a:srgbClr val="DDDDDD"/>
+                      </a:solidFill>
+                      <a:prstDash val="solid"/>
+                      <a:round/>
+                      <a:headEnd type="none" w="med" len="med"/>
+                      <a:tailEnd type="none" w="med" len="med"/>
+                    </a:lnB>
+                    <a:lnTlToBr w="12700" cmpd="sng">
+                      <a:noFill/>
+                      <a:prstDash val="solid"/>
+                    </a:lnTlToBr>
+                    <a:lnBlToTr w="12700" cmpd="sng">
+                      <a:noFill/>
+                      <a:prstDash val="solid"/>
+                    </a:lnBlToTr>
+                    <a:noFill/>
+                  </a:tcPr>
+                </a:tc>
+              </a:tr>
+              <a:tr h="393065">
+                <a:tc vMerge="1">
+                  <a:tcPr>
+                    <a:lnT w="6350" cap="flat" cmpd="sng" algn="ctr">
+                      <a:solidFill>
+                        <a:schemeClr val="bg1"/>
+                      </a:solidFill>
+                      <a:prstDash val="solid"/>
+                      <a:round/>
+                      <a:headEnd type="none" w="med" len="med"/>
+                      <a:tailEnd type="none" w="med" len="med"/>
+                    </a:lnT>
+                  </a:tcPr>
+                </a:tc>
+                <a:tc>
+                  <a:txBody>
+                    <a:bodyPr/>
+                    <a:lstStyle>
+                      <a:lvl1pPr marL="0" algn="l" defTabSz="1219200" rtl="0" eaLnBrk="1" latinLnBrk="0" hangingPunct="1">
+                        <a:defRPr sz="2400" kern="1200">
+                          <a:solidFill>
+                            <a:schemeClr val="tx1"/>
+                          </a:solidFill>
+                          <a:latin typeface="Calibri" panose="020F0502020204030204"/>
+                        </a:defRPr>
+                      </a:lvl1pPr>
+                      <a:lvl2pPr marL="609600" algn="l" defTabSz="1219200" rtl="0" eaLnBrk="1" latinLnBrk="0" hangingPunct="1">
+                        <a:defRPr sz="2400" kern="1200">
+                          <a:solidFill>
+                            <a:schemeClr val="tx1"/>
+                          </a:solidFill>
+                          <a:latin typeface="Calibri" panose="020F0502020204030204"/>
+                        </a:defRPr>
+                      </a:lvl2pPr>
+                      <a:lvl3pPr marL="1219200" algn="l" defTabSz="1219200" rtl="0" eaLnBrk="1" latinLnBrk="0" hangingPunct="1">
+                        <a:defRPr sz="2400" kern="1200">
+                          <a:solidFill>
+                            <a:schemeClr val="tx1"/>
+                          </a:solidFill>
+                          <a:latin typeface="Calibri" panose="020F0502020204030204"/>
+                        </a:defRPr>
+                      </a:lvl3pPr>
+                      <a:lvl4pPr marL="1828800" algn="l" defTabSz="1219200" rtl="0" eaLnBrk="1" latinLnBrk="0" hangingPunct="1">
+                        <a:defRPr sz="2400" kern="1200">
+                          <a:solidFill>
+                            <a:schemeClr val="tx1"/>
+                          </a:solidFill>
+                          <a:latin typeface="Calibri" panose="020F0502020204030204"/>
+                        </a:defRPr>
+                      </a:lvl4pPr>
+                      <a:lvl5pPr marL="2438400" algn="l" defTabSz="1219200" rtl="0" eaLnBrk="1" latinLnBrk="0" hangingPunct="1">
+                        <a:defRPr sz="2400" kern="1200">
+                          <a:solidFill>
+                            <a:schemeClr val="tx1"/>
+                          </a:solidFill>
+                          <a:latin typeface="Calibri" panose="020F0502020204030204"/>
+                        </a:defRPr>
+                      </a:lvl5pPr>
+                      <a:lvl6pPr marL="3048000" algn="l" defTabSz="1219200" rtl="0" eaLnBrk="1" latinLnBrk="0" hangingPunct="1">
+                        <a:defRPr sz="2400" kern="1200">
+                          <a:solidFill>
+                            <a:schemeClr val="tx1"/>
+                          </a:solidFill>
+                          <a:latin typeface="Calibri" panose="020F0502020204030204"/>
+                        </a:defRPr>
+                      </a:lvl6pPr>
+                      <a:lvl7pPr marL="3656965" algn="l" defTabSz="1219200" rtl="0" eaLnBrk="1" latinLnBrk="0" hangingPunct="1">
+                        <a:defRPr sz="2400" kern="1200">
+                          <a:solidFill>
+                            <a:schemeClr val="tx1"/>
+                          </a:solidFill>
+                          <a:latin typeface="Calibri" panose="020F0502020204030204"/>
+                        </a:defRPr>
+                      </a:lvl7pPr>
+                      <a:lvl8pPr marL="4266565" algn="l" defTabSz="1219200" rtl="0" eaLnBrk="1" latinLnBrk="0" hangingPunct="1">
+                        <a:defRPr sz="2400" kern="1200">
+                          <a:solidFill>
+                            <a:schemeClr val="tx1"/>
+                          </a:solidFill>
+                          <a:latin typeface="Calibri" panose="020F0502020204030204"/>
+                        </a:defRPr>
+                      </a:lvl8pPr>
+                      <a:lvl9pPr marL="4876165" algn="l" defTabSz="1219200" rtl="0" eaLnBrk="1" latinLnBrk="0" hangingPunct="1">
+                        <a:defRPr sz="2400" kern="1200">
+                          <a:solidFill>
+                            <a:schemeClr val="tx1"/>
+                          </a:solidFill>
+                          <a:latin typeface="Calibri" panose="020F0502020204030204"/>
+                        </a:defRPr>
+                      </a:lvl9pPr>
+                    </a:lstStyle>
+                    <a:p>
+                      <a:pPr marL="285750" indent="-285750" algn="l">
+                        <a:lnSpc>
+                          <a:spcPct val="120000"/>
+                        </a:lnSpc>
+                        <a:buFont typeface="Arial" panose="020B0604020202020204" pitchFamily="34" charset="0"/>
+                        <a:buChar char="•"/>
+                      </a:pPr>
+                      <a:endParaRPr lang="en-US" altLang="zh-CN" sz="1200" b="0" kern="1200" dirty="0">
+                        <a:solidFill>
+                          <a:schemeClr val="tx1"/>
+                        </a:solidFill>
+                        <a:latin typeface="Arial" panose="020B0604020202020204" pitchFamily="34" charset="0"/>
+                        <a:ea typeface="微软雅黑" panose="020B0503020204020204" pitchFamily="34" charset="-122"/>
+                        <a:cs typeface="Arial" panose="020B0604020202020204" pitchFamily="34" charset="0"/>
+                      </a:endParaRPr>
+                    </a:p>
+                  </a:txBody>
+                  <a:tcPr anchor="ctr">
+                    <a:lnL w="12700" cap="flat" cmpd="sng" algn="ctr">
+                      <a:solidFill>
+                        <a:srgbClr val="DDDDDD"/>
+                      </a:solidFill>
+                      <a:prstDash val="solid"/>
+                      <a:round/>
+                      <a:headEnd type="none" w="med" len="med"/>
+                      <a:tailEnd type="none" w="med" len="med"/>
+                    </a:lnL>
+                    <a:lnR w="6350" cap="flat" cmpd="sng" algn="ctr">
+                      <a:solidFill>
+                        <a:srgbClr val="666666"/>
+                      </a:solidFill>
+                      <a:prstDash val="solid"/>
+                      <a:round/>
+                      <a:headEnd type="none" w="med" len="med"/>
+                      <a:tailEnd type="none" w="med" len="med"/>
+                    </a:lnR>
+                    <a:lnT w="12700" cap="flat" cmpd="sng" algn="ctr">
+                      <a:solidFill>
+                        <a:srgbClr val="DDDDDD"/>
+                      </a:solidFill>
+                      <a:prstDash val="solid"/>
+                      <a:round/>
+                      <a:headEnd type="none" w="med" len="med"/>
+                      <a:tailEnd type="none" w="med" len="med"/>
+                    </a:lnT>
+                    <a:lnB w="12700" cap="flat" cmpd="sng" algn="ctr">
+                      <a:solidFill>
+                        <a:srgbClr val="DDDDDD"/>
+                      </a:solidFill>
+                      <a:prstDash val="solid"/>
+                      <a:round/>
+                      <a:headEnd type="none" w="med" len="med"/>
+                      <a:tailEnd type="none" w="med" len="med"/>
+                    </a:lnB>
+                    <a:lnTlToBr w="12700" cmpd="sng">
+                      <a:noFill/>
+                      <a:prstDash val="solid"/>
+                    </a:lnTlToBr>
+                    <a:lnBlToTr w="12700" cmpd="sng">
+                      <a:noFill/>
+                      <a:prstDash val="solid"/>
+                    </a:lnBlToTr>
+                    <a:noFill/>
+                  </a:tcPr>
+                </a:tc>
+              </a:tr>
+              <a:tr h="392430">
+                <a:tc vMerge="1">
+                  <a:tcPr>
+                    <a:lnR w="12700" cap="flat" cmpd="sng" algn="ctr">
+                      <a:solidFill>
+                        <a:srgbClr val="DDDDDD"/>
+                      </a:solidFill>
+                      <a:prstDash val="solid"/>
+                      <a:round/>
+                      <a:headEnd type="none" w="med" len="med"/>
+                      <a:tailEnd type="none" w="med" len="med"/>
+                    </a:lnR>
+                    <a:lnT w="6350" cap="flat" cmpd="sng" algn="ctr">
+                      <a:solidFill>
+                        <a:schemeClr val="bg1"/>
+                      </a:solidFill>
+                      <a:prstDash val="solid"/>
+                      <a:round/>
+                      <a:headEnd type="none" w="med" len="med"/>
+                      <a:tailEnd type="none" w="med" len="med"/>
+                    </a:lnT>
+                    <a:lnB w="12700" cap="flat" cmpd="sng" algn="ctr">
+                      <a:solidFill>
+                        <a:srgbClr val="DDDDDD"/>
+                      </a:solidFill>
+                      <a:prstDash val="solid"/>
+                      <a:round/>
+                      <a:headEnd type="none" w="med" len="med"/>
+                      <a:tailEnd type="none" w="med" len="med"/>
+                    </a:lnB>
+                    <a:noFill/>
+                  </a:tcPr>
+                </a:tc>
+                <a:tc>
+                  <a:txBody>
+                    <a:bodyPr/>
+                    <a:lstStyle/>
+                    <a:p>
+                      <a:pPr indent="0" algn="l">
+                        <a:lnSpc>
+                          <a:spcPct val="120000"/>
+                        </a:lnSpc>
+                        <a:buFont typeface="Arial" panose="020B0604020202020204" pitchFamily="34" charset="0"/>
+                        <a:buNone/>
+                      </a:pPr>
+                      <a:endParaRPr lang="en-US" altLang="zh-CN" sz="1200" dirty="0">
+                        <a:latin typeface="Arial" panose="020B0604020202020204" pitchFamily="34" charset="0"/>
+                        <a:ea typeface="微软雅黑" panose="020B0503020204020204" pitchFamily="34" charset="-122"/>
+                        <a:cs typeface="Arial" panose="020B0604020202020204" pitchFamily="34" charset="0"/>
+                        <a:sym typeface="+mn-ea"/>
+                      </a:endParaRPr>
+                    </a:p>
+                  </a:txBody>
+                  <a:tcPr anchor="ctr">
+                    <a:lnL w="12700" cap="flat" cmpd="sng" algn="ctr">
+                      <a:solidFill>
+                        <a:srgbClr val="DDDDDD"/>
+                      </a:solidFill>
+                      <a:prstDash val="solid"/>
+                      <a:round/>
+                      <a:headEnd type="none" w="med" len="med"/>
+                      <a:tailEnd type="none" w="med" len="med"/>
+                    </a:lnL>
+                    <a:lnR w="6350" cap="flat" cmpd="sng" algn="ctr">
+                      <a:solidFill>
+                        <a:srgbClr val="666666"/>
+                      </a:solidFill>
+                      <a:prstDash val="solid"/>
+                      <a:round/>
+                      <a:headEnd type="none" w="med" len="med"/>
+                      <a:tailEnd type="none" w="med" len="med"/>
+                    </a:lnR>
+                    <a:lnT w="12700" cap="flat" cmpd="sng" algn="ctr">
+                      <a:solidFill>
+                        <a:srgbClr val="DDDDDD"/>
+                      </a:solidFill>
+                      <a:prstDash val="solid"/>
+                      <a:round/>
+                      <a:headEnd type="none" w="med" len="med"/>
+                      <a:tailEnd type="none" w="med" len="med"/>
+                    </a:lnT>
+                    <a:lnB w="12700" cap="flat" cmpd="sng" algn="ctr">
+                      <a:solidFill>
+                        <a:srgbClr val="DDDDDD"/>
+                      </a:solidFill>
+                      <a:prstDash val="solid"/>
+                      <a:round/>
+                      <a:headEnd type="none" w="med" len="med"/>
+                      <a:tailEnd type="none" w="med" len="med"/>
+                    </a:lnB>
+                    <a:lnTlToBr w="12700" cmpd="sng">
+                      <a:noFill/>
+                      <a:prstDash val="solid"/>
+                    </a:lnTlToBr>
+                    <a:lnBlToTr w="12700" cmpd="sng">
+                      <a:noFill/>
+                      <a:prstDash val="solid"/>
+                    </a:lnBlToTr>
+                    <a:noFill/>
+                  </a:tcPr>
+                </a:tc>
+              </a:tr>
+              <a:tr h="392430">
+                <a:tc vMerge="1">
+                  <a:tcPr>
+                    <a:lnR w="12700" cap="flat" cmpd="sng" algn="ctr">
+                      <a:solidFill>
+                        <a:srgbClr val="DDDDDD"/>
+                      </a:solidFill>
+                      <a:prstDash val="solid"/>
+                      <a:round/>
+                      <a:headEnd type="none" w="med" len="med"/>
+                      <a:tailEnd type="none" w="med" len="med"/>
+                    </a:lnR>
+                    <a:lnT w="6350" cap="flat" cmpd="sng" algn="ctr">
+                      <a:solidFill>
+                        <a:schemeClr val="bg1"/>
+                      </a:solidFill>
+                      <a:prstDash val="solid"/>
+                      <a:round/>
+                      <a:headEnd type="none" w="med" len="med"/>
+                      <a:tailEnd type="none" w="med" len="med"/>
+                    </a:lnT>
+                    <a:lnB w="12700" cap="flat" cmpd="sng" algn="ctr">
+                      <a:solidFill>
+                        <a:srgbClr val="DDDDDD"/>
+                      </a:solidFill>
+                      <a:prstDash val="solid"/>
+                      <a:round/>
+                      <a:headEnd type="none" w="med" len="med"/>
+                      <a:tailEnd type="none" w="med" len="med"/>
+                    </a:lnB>
+                    <a:noFill/>
+                  </a:tcPr>
+                </a:tc>
+                <a:tc>
+                  <a:txBody>
+                    <a:bodyPr/>
+                    <a:lstStyle/>
+                    <a:p>
+                      <a:pPr indent="0" algn="l">
+                        <a:lnSpc>
+                          <a:spcPct val="120000"/>
+                        </a:lnSpc>
+                        <a:buFont typeface="Arial" panose="020B0604020202020204" pitchFamily="34" charset="0"/>
+                        <a:buNone/>
+                      </a:pPr>
+                      <a:endParaRPr lang="en-US" altLang="zh-CN" sz="1200" kern="1200" spc="-10" dirty="0">
+                        <a:solidFill>
+                          <a:schemeClr val="tx1"/>
+                        </a:solidFill>
+                        <a:latin typeface="微软雅黑" panose="020B0503020204020204" pitchFamily="34" charset="-122"/>
+                        <a:ea typeface="微软雅黑" panose="020B0503020204020204" pitchFamily="34" charset="-122"/>
+                        <a:cs typeface="Arial" panose="020B0604020202020204" pitchFamily="34" charset="0"/>
+                        <a:sym typeface="+mn-ea"/>
+                      </a:endParaRPr>
+                    </a:p>
+                  </a:txBody>
+                  <a:tcPr anchor="ctr">
+                    <a:lnL w="12700" cap="flat" cmpd="sng" algn="ctr">
+                      <a:solidFill>
+                        <a:srgbClr val="DDDDDD"/>
+                      </a:solidFill>
+                      <a:prstDash val="solid"/>
+                      <a:round/>
+                      <a:headEnd type="none" w="med" len="med"/>
+                      <a:tailEnd type="none" w="med" len="med"/>
+                    </a:lnL>
+                    <a:lnR w="6350" cap="flat" cmpd="sng" algn="ctr">
+                      <a:solidFill>
+                        <a:srgbClr val="666666"/>
+                      </a:solidFill>
+                      <a:prstDash val="solid"/>
+                      <a:round/>
+                      <a:headEnd type="none" w="med" len="med"/>
+                      <a:tailEnd type="none" w="med" len="med"/>
+                    </a:lnR>
+                    <a:lnT w="12700" cap="flat" cmpd="sng" algn="ctr">
+                      <a:solidFill>
+                        <a:srgbClr val="DDDDDD"/>
+                      </a:solidFill>
+                      <a:prstDash val="solid"/>
+                      <a:round/>
+                      <a:headEnd type="none" w="med" len="med"/>
+                      <a:tailEnd type="none" w="med" len="med"/>
+                    </a:lnT>
+                    <a:lnB w="12700" cap="flat" cmpd="sng" algn="ctr">
+                      <a:solidFill>
+                        <a:srgbClr val="DDDDDD"/>
+                      </a:solidFill>
+                      <a:prstDash val="solid"/>
+                      <a:round/>
+                      <a:headEnd type="none" w="med" len="med"/>
+                      <a:tailEnd type="none" w="med" len="med"/>
+                    </a:lnB>
+                    <a:lnTlToBr w="12700" cmpd="sng">
+                      <a:noFill/>
+                      <a:prstDash val="solid"/>
+                    </a:lnTlToBr>
+                    <a:lnBlToTr w="12700" cmpd="sng">
+                      <a:noFill/>
+                      <a:prstDash val="solid"/>
+                    </a:lnBlToTr>
+                    <a:noFill/>
+                  </a:tcPr>
+                </a:tc>
+              </a:tr>
+              <a:tr h="393065">
+                <a:tc vMerge="1">
+                  <a:tcPr>
+                    <a:lnR w="12700" cap="flat" cmpd="sng" algn="ctr">
+                      <a:solidFill>
+                        <a:srgbClr val="DDDDDD"/>
+                      </a:solidFill>
+                      <a:prstDash val="solid"/>
+                      <a:round/>
+                      <a:headEnd type="none" w="med" len="med"/>
+                      <a:tailEnd type="none" w="med" len="med"/>
+                    </a:lnR>
+                    <a:lnT w="6350" cap="flat" cmpd="sng" algn="ctr">
+                      <a:solidFill>
+                        <a:schemeClr val="bg1"/>
+                      </a:solidFill>
+                      <a:prstDash val="solid"/>
+                      <a:round/>
+                      <a:headEnd type="none" w="med" len="med"/>
+                      <a:tailEnd type="none" w="med" len="med"/>
+                    </a:lnT>
+                    <a:lnB w="12700" cap="flat" cmpd="sng" algn="ctr">
+                      <a:solidFill>
+                        <a:srgbClr val="DDDDDD"/>
+                      </a:solidFill>
+                      <a:prstDash val="solid"/>
+                      <a:round/>
+                      <a:headEnd type="none" w="med" len="med"/>
+                      <a:tailEnd type="none" w="med" len="med"/>
+                    </a:lnB>
+                    <a:noFill/>
+                  </a:tcPr>
+                </a:tc>
+                <a:tc>
+                  <a:txBody>
+                    <a:bodyPr/>
+                    <a:lstStyle/>
+                    <a:p>
+                      <a:pPr marL="285750" indent="-285750" algn="l">
+                        <a:lnSpc>
+                          <a:spcPct val="120000"/>
+                        </a:lnSpc>
+                        <a:buFont typeface="Arial" panose="020B0604020202020204" pitchFamily="34" charset="0"/>
+                        <a:buChar char="•"/>
+                      </a:pPr>
+                      <a:endParaRPr lang="zh-CN" altLang="en-US" sz="1200" kern="1200" dirty="0">
+                        <a:solidFill>
+                          <a:schemeClr val="tx1"/>
+                        </a:solidFill>
+                        <a:latin typeface="Arial" panose="020B0604020202020204" pitchFamily="34" charset="0"/>
+                        <a:ea typeface="微软雅黑" panose="020B0503020204020204" pitchFamily="34" charset="-122"/>
+                        <a:cs typeface="Arial" panose="020B0604020202020204" pitchFamily="34" charset="0"/>
+                      </a:endParaRPr>
+                    </a:p>
+                  </a:txBody>
+                  <a:tcPr anchor="ctr">
+                    <a:lnL w="12700" cap="flat" cmpd="sng" algn="ctr">
+                      <a:solidFill>
+                        <a:srgbClr val="DDDDDD"/>
+                      </a:solidFill>
+                      <a:prstDash val="solid"/>
+                      <a:round/>
+                      <a:headEnd type="none" w="med" len="med"/>
+                      <a:tailEnd type="none" w="med" len="med"/>
+                    </a:lnL>
+                    <a:lnR w="6350" cap="flat" cmpd="sng" algn="ctr">
+                      <a:solidFill>
+                        <a:srgbClr val="666666"/>
+                      </a:solidFill>
+                      <a:prstDash val="solid"/>
+                      <a:round/>
+                      <a:headEnd type="none" w="med" len="med"/>
+                      <a:tailEnd type="none" w="med" len="med"/>
+                    </a:lnR>
+                    <a:lnT w="12700" cap="flat" cmpd="sng" algn="ctr">
+                      <a:solidFill>
+                        <a:srgbClr val="DDDDDD"/>
+                      </a:solidFill>
+                      <a:prstDash val="solid"/>
+                      <a:round/>
+                      <a:headEnd type="none" w="med" len="med"/>
+                      <a:tailEnd type="none" w="med" len="med"/>
+                    </a:lnT>
+                    <a:lnB w="12700" cap="flat" cmpd="sng" algn="ctr">
+                      <a:solidFill>
+                        <a:srgbClr val="DDDDDD"/>
+                      </a:solidFill>
+                      <a:prstDash val="solid"/>
+                      <a:round/>
+                      <a:headEnd type="none" w="med" len="med"/>
+                      <a:tailEnd type="none" w="med" len="med"/>
+                    </a:lnB>
+                    <a:lnTlToBr w="12700" cmpd="sng">
+                      <a:noFill/>
+                      <a:prstDash val="solid"/>
+                    </a:lnTlToBr>
+                    <a:lnBlToTr w="12700" cmpd="sng">
+                      <a:noFill/>
+                      <a:prstDash val="solid"/>
+                    </a:lnBlToTr>
+                    <a:noFill/>
+                  </a:tcPr>
+                </a:tc>
+              </a:tr>
+              <a:tr h="829310">
+                <a:tc>
+                  <a:txBody>
+                    <a:bodyPr/>
+                    <a:lstStyle>
+                      <a:lvl1pPr marL="0" algn="l" defTabSz="1219200" rtl="0" eaLnBrk="1" latinLnBrk="0" hangingPunct="1">
+                        <a:defRPr sz="2400" kern="1200">
+                          <a:solidFill>
+                            <a:schemeClr val="tx1"/>
+                          </a:solidFill>
+                          <a:latin typeface="Calibri" panose="020F0502020204030204"/>
+                        </a:defRPr>
+                      </a:lvl1pPr>
+                      <a:lvl2pPr marL="609600" algn="l" defTabSz="1219200" rtl="0" eaLnBrk="1" latinLnBrk="0" hangingPunct="1">
+                        <a:defRPr sz="2400" kern="1200">
+                          <a:solidFill>
+                            <a:schemeClr val="tx1"/>
+                          </a:solidFill>
+                          <a:latin typeface="Calibri" panose="020F0502020204030204"/>
+                        </a:defRPr>
+                      </a:lvl2pPr>
+                      <a:lvl3pPr marL="1219200" algn="l" defTabSz="1219200" rtl="0" eaLnBrk="1" latinLnBrk="0" hangingPunct="1">
+                        <a:defRPr sz="2400" kern="1200">
+                          <a:solidFill>
+                            <a:schemeClr val="tx1"/>
+                          </a:solidFill>
+                          <a:latin typeface="Calibri" panose="020F0502020204030204"/>
+                        </a:defRPr>
+                      </a:lvl3pPr>
+                      <a:lvl4pPr marL="1828800" algn="l" defTabSz="1219200" rtl="0" eaLnBrk="1" latinLnBrk="0" hangingPunct="1">
+                        <a:defRPr sz="2400" kern="1200">
+                          <a:solidFill>
+                            <a:schemeClr val="tx1"/>
+                          </a:solidFill>
+                          <a:latin typeface="Calibri" panose="020F0502020204030204"/>
+                        </a:defRPr>
+                      </a:lvl4pPr>
+                      <a:lvl5pPr marL="2438400" algn="l" defTabSz="1219200" rtl="0" eaLnBrk="1" latinLnBrk="0" hangingPunct="1">
+                        <a:defRPr sz="2400" kern="1200">
+                          <a:solidFill>
+                            <a:schemeClr val="tx1"/>
+                          </a:solidFill>
+                          <a:latin typeface="Calibri" panose="020F0502020204030204"/>
+                        </a:defRPr>
+                      </a:lvl5pPr>
+                      <a:lvl6pPr marL="3048000" algn="l" defTabSz="1219200" rtl="0" eaLnBrk="1" latinLnBrk="0" hangingPunct="1">
+                        <a:defRPr sz="2400" kern="1200">
+                          <a:solidFill>
+                            <a:schemeClr val="tx1"/>
+                          </a:solidFill>
+                          <a:latin typeface="Calibri" panose="020F0502020204030204"/>
+                        </a:defRPr>
+                      </a:lvl6pPr>
+                      <a:lvl7pPr marL="3656965" algn="l" defTabSz="1219200" rtl="0" eaLnBrk="1" latinLnBrk="0" hangingPunct="1">
+                        <a:defRPr sz="2400" kern="1200">
+                          <a:solidFill>
+                            <a:schemeClr val="tx1"/>
+                          </a:solidFill>
+                          <a:latin typeface="Calibri" panose="020F0502020204030204"/>
+                        </a:defRPr>
+                      </a:lvl7pPr>
+                      <a:lvl8pPr marL="4266565" algn="l" defTabSz="1219200" rtl="0" eaLnBrk="1" latinLnBrk="0" hangingPunct="1">
+                        <a:defRPr sz="2400" kern="1200">
+                          <a:solidFill>
+                            <a:schemeClr val="tx1"/>
+                          </a:solidFill>
+                          <a:latin typeface="Calibri" panose="020F0502020204030204"/>
+                        </a:defRPr>
+                      </a:lvl8pPr>
+                      <a:lvl9pPr marL="4876165" algn="l" defTabSz="1219200" rtl="0" eaLnBrk="1" latinLnBrk="0" hangingPunct="1">
+                        <a:defRPr sz="2400" kern="1200">
+                          <a:solidFill>
+                            <a:schemeClr val="tx1"/>
+                          </a:solidFill>
+                          <a:latin typeface="Calibri" panose="020F0502020204030204"/>
+                        </a:defRPr>
+                      </a:lvl9pPr>
+                    </a:lstStyle>
+                    <a:p>
+                      <a:pPr marL="0" marR="0" lvl="0" indent="0" algn="ctr" defTabSz="1186815" rtl="0" eaLnBrk="1" fontAlgn="auto" latinLnBrk="0" hangingPunct="1">
+                        <a:lnSpc>
+                          <a:spcPct val="100000"/>
+                        </a:lnSpc>
+                        <a:spcBef>
+                          <a:spcPts val="0"/>
+                        </a:spcBef>
+                        <a:spcAft>
+                          <a:spcPts val="0"/>
+                        </a:spcAft>
+                        <a:buClrTx/>
+                        <a:buSzTx/>
+                        <a:buFontTx/>
+                        <a:buNone/>
+                        <a:defRPr/>
+                      </a:pPr>
+                      <a:r>
+                        <a:rPr lang="en-US" altLang="zh-CN" sz="1200" b="1" kern="1200" dirty="0">
+                          <a:solidFill>
+                            <a:schemeClr val="tx1"/>
+                          </a:solidFill>
+                          <a:latin typeface="Arial" panose="020B0604020202020204" pitchFamily="34" charset="0"/>
+                          <a:ea typeface="微软雅黑" panose="020B0503020204020204" pitchFamily="34" charset="-122"/>
+                          <a:cs typeface="Arial" panose="020B0604020202020204" pitchFamily="34" charset="0"/>
+                        </a:rPr>
+                        <a:t>Return Results</a:t>
+                      </a:r>
+                      <a:endParaRPr lang="zh-CN" altLang="en-US" sz="1200" b="1" kern="1200" dirty="0">
+                        <a:solidFill>
+                          <a:schemeClr val="tx1"/>
+                        </a:solidFill>
+                        <a:latin typeface="Arial" panose="020B0604020202020204" pitchFamily="34" charset="0"/>
+                        <a:ea typeface="微软雅黑" panose="020B0503020204020204" pitchFamily="34" charset="-122"/>
+                        <a:cs typeface="Arial" panose="020B0604020202020204" pitchFamily="34" charset="0"/>
+                      </a:endParaRPr>
+                    </a:p>
+                  </a:txBody>
+                  <a:tcPr anchor="ctr">
+                    <a:lnL w="6350" cap="flat" cmpd="sng" algn="ctr">
+                      <a:solidFill>
+                        <a:srgbClr val="666666"/>
+                      </a:solidFill>
+                      <a:prstDash val="solid"/>
+                      <a:round/>
+                      <a:headEnd type="none" w="med" len="med"/>
+                      <a:tailEnd type="none" w="med" len="med"/>
+                    </a:lnL>
+                    <a:lnR w="12700" cap="flat" cmpd="sng" algn="ctr">
+                      <a:solidFill>
+                        <a:srgbClr val="DDDDDD"/>
+                      </a:solidFill>
+                      <a:prstDash val="solid"/>
+                      <a:round/>
+                      <a:headEnd type="none" w="med" len="med"/>
+                      <a:tailEnd type="none" w="med" len="med"/>
+                    </a:lnR>
+                    <a:lnT w="12700" cap="flat" cmpd="sng" algn="ctr">
+                      <a:solidFill>
+                        <a:srgbClr val="DDDDDD"/>
+                      </a:solidFill>
+                      <a:prstDash val="solid"/>
+                      <a:round/>
+                      <a:headEnd type="none" w="med" len="med"/>
+                      <a:tailEnd type="none" w="med" len="med"/>
+                    </a:lnT>
+                    <a:lnB w="6350" cap="flat" cmpd="sng" algn="ctr">
+                      <a:solidFill>
+                        <a:srgbClr val="666666"/>
+                      </a:solidFill>
+                      <a:prstDash val="solid"/>
+                      <a:round/>
+                      <a:headEnd type="none" w="med" len="med"/>
+                      <a:tailEnd type="none" w="med" len="med"/>
+                    </a:lnB>
+                    <a:lnTlToBr w="12700" cmpd="sng">
+                      <a:noFill/>
+                      <a:prstDash val="solid"/>
+                    </a:lnTlToBr>
+                    <a:lnBlToTr w="12700" cmpd="sng">
+                      <a:noFill/>
+                      <a:prstDash val="solid"/>
+                    </a:lnBlToTr>
+                    <a:noFill/>
+                  </a:tcPr>
+                </a:tc>
+                <a:tc>
+                  <a:txBody>
+                    <a:bodyPr/>
+                    <a:lstStyle>
+                      <a:lvl1pPr marL="0" algn="l" defTabSz="1219200" rtl="0" eaLnBrk="1" latinLnBrk="0" hangingPunct="1">
+                        <a:defRPr sz="2400" kern="1200">
+                          <a:solidFill>
+                            <a:schemeClr val="tx1"/>
+                          </a:solidFill>
+                          <a:latin typeface="Calibri" panose="020F0502020204030204"/>
+                        </a:defRPr>
+                      </a:lvl1pPr>
+                      <a:lvl2pPr marL="609600" algn="l" defTabSz="1219200" rtl="0" eaLnBrk="1" latinLnBrk="0" hangingPunct="1">
+                        <a:defRPr sz="2400" kern="1200">
+                          <a:solidFill>
+                            <a:schemeClr val="tx1"/>
+                          </a:solidFill>
+                          <a:latin typeface="Calibri" panose="020F0502020204030204"/>
+                        </a:defRPr>
+                      </a:lvl2pPr>
+                      <a:lvl3pPr marL="1219200" algn="l" defTabSz="1219200" rtl="0" eaLnBrk="1" latinLnBrk="0" hangingPunct="1">
+                        <a:defRPr sz="2400" kern="1200">
+                          <a:solidFill>
+                            <a:schemeClr val="tx1"/>
+                          </a:solidFill>
+                          <a:latin typeface="Calibri" panose="020F0502020204030204"/>
+                        </a:defRPr>
+                      </a:lvl3pPr>
+                      <a:lvl4pPr marL="1828800" algn="l" defTabSz="1219200" rtl="0" eaLnBrk="1" latinLnBrk="0" hangingPunct="1">
+                        <a:defRPr sz="2400" kern="1200">
+                          <a:solidFill>
+                            <a:schemeClr val="tx1"/>
+                          </a:solidFill>
+                          <a:latin typeface="Calibri" panose="020F0502020204030204"/>
+                        </a:defRPr>
+                      </a:lvl4pPr>
+                      <a:lvl5pPr marL="2438400" algn="l" defTabSz="1219200" rtl="0" eaLnBrk="1" latinLnBrk="0" hangingPunct="1">
+                        <a:defRPr sz="2400" kern="1200">
+                          <a:solidFill>
+                            <a:schemeClr val="tx1"/>
+                          </a:solidFill>
+                          <a:latin typeface="Calibri" panose="020F0502020204030204"/>
+                        </a:defRPr>
+                      </a:lvl5pPr>
+                      <a:lvl6pPr marL="3048000" algn="l" defTabSz="1219200" rtl="0" eaLnBrk="1" latinLnBrk="0" hangingPunct="1">
+                        <a:defRPr sz="2400" kern="1200">
+                          <a:solidFill>
+                            <a:schemeClr val="tx1"/>
+                          </a:solidFill>
+                          <a:latin typeface="Calibri" panose="020F0502020204030204"/>
+                        </a:defRPr>
+                      </a:lvl6pPr>
+                      <a:lvl7pPr marL="3656965" algn="l" defTabSz="1219200" rtl="0" eaLnBrk="1" latinLnBrk="0" hangingPunct="1">
+                        <a:defRPr sz="2400" kern="1200">
+                          <a:solidFill>
+                            <a:schemeClr val="tx1"/>
+                          </a:solidFill>
+                          <a:latin typeface="Calibri" panose="020F0502020204030204"/>
+                        </a:defRPr>
+                      </a:lvl7pPr>
+                      <a:lvl8pPr marL="4266565" algn="l" defTabSz="1219200" rtl="0" eaLnBrk="1" latinLnBrk="0" hangingPunct="1">
+                        <a:defRPr sz="2400" kern="1200">
+                          <a:solidFill>
+                            <a:schemeClr val="tx1"/>
+                          </a:solidFill>
+                          <a:latin typeface="Calibri" panose="020F0502020204030204"/>
+                        </a:defRPr>
+                      </a:lvl8pPr>
+                      <a:lvl9pPr marL="4876165" algn="l" defTabSz="1219200" rtl="0" eaLnBrk="1" latinLnBrk="0" hangingPunct="1">
+                        <a:defRPr sz="2400" kern="1200">
+                          <a:solidFill>
+                            <a:schemeClr val="tx1"/>
+                          </a:solidFill>
+                          <a:latin typeface="Calibri" panose="020F0502020204030204"/>
+                        </a:defRPr>
+                      </a:lvl9pPr>
+                    </a:lstStyle>
+                    <a:p>
+                      <a:pPr marL="285750" indent="-285750" algn="l">
+                        <a:lnSpc>
+                          <a:spcPct val="120000"/>
+                        </a:lnSpc>
+                        <a:buFont typeface="Arial" panose="020B0604020202020204" pitchFamily="34" charset="0"/>
+                        <a:buChar char="•"/>
+                      </a:pPr>
+                      <a:r>
+                        <a:rPr lang="en-US" altLang="zh-CN" sz="1200" dirty="0">
+                          <a:latin typeface="Arial" panose="020B0604020202020204" pitchFamily="34" charset="0"/>
+                          <a:ea typeface="微软雅黑" panose="020B0503020204020204" pitchFamily="34" charset="-122"/>
+                          <a:cs typeface="Arial" panose="020B0604020202020204" pitchFamily="34" charset="0"/>
+                          <a:sym typeface="+mn-ea"/>
+                        </a:rPr>
+                        <a:t>result (object):  </a:t>
+                      </a:r>
+                      <a:r>
+                        <a:rPr lang="zh-CN" altLang="zh-CN" sz="1200" dirty="0">
+                          <a:latin typeface="Arial" panose="020B0604020202020204" pitchFamily="34" charset="0"/>
+                          <a:ea typeface="微软雅黑" panose="020B0503020204020204" pitchFamily="34" charset="-122"/>
+                          <a:cs typeface="Arial" panose="020B0604020202020204" pitchFamily="34" charset="0"/>
+                          <a:sym typeface="+mn-ea"/>
+                        </a:rPr>
+                        <a:t>unbind </a:t>
+                      </a:r>
+                      <a:r>
+                        <a:rPr lang="zh-CN" altLang="zh-CN" sz="1200" dirty="0">
+                          <a:latin typeface="Arial" panose="020B0604020202020204" pitchFamily="34" charset="0"/>
+                          <a:ea typeface="微软雅黑" panose="020B0503020204020204" pitchFamily="34" charset="-122"/>
+                          <a:cs typeface="Arial" panose="020B0604020202020204" pitchFamily="34" charset="0"/>
+                          <a:sym typeface="+mn-ea"/>
+                        </a:rPr>
+                        <a:t>operation status, success or fail</a:t>
+                      </a:r>
+                      <a:endParaRPr lang="zh-CN" altLang="zh-CN" sz="1200" dirty="0">
+                        <a:latin typeface="Arial" panose="020B0604020202020204" pitchFamily="34" charset="0"/>
+                        <a:ea typeface="微软雅黑" panose="020B0503020204020204" pitchFamily="34" charset="-122"/>
+                        <a:cs typeface="Arial" panose="020B0604020202020204" pitchFamily="34" charset="0"/>
+                        <a:sym typeface="+mn-ea"/>
+                      </a:endParaRPr>
+                    </a:p>
+                  </a:txBody>
+                  <a:tcPr anchor="ctr">
+                    <a:lnL w="12700" cap="flat" cmpd="sng" algn="ctr">
+                      <a:solidFill>
+                        <a:srgbClr val="DDDDDD"/>
+                      </a:solidFill>
+                      <a:prstDash val="solid"/>
+                      <a:round/>
+                      <a:headEnd type="none" w="med" len="med"/>
+                      <a:tailEnd type="none" w="med" len="med"/>
+                    </a:lnL>
+                    <a:lnR w="6350" cap="flat" cmpd="sng" algn="ctr">
+                      <a:solidFill>
+                        <a:srgbClr val="666666"/>
+                      </a:solidFill>
+                      <a:prstDash val="solid"/>
+                      <a:round/>
+                      <a:headEnd type="none" w="med" len="med"/>
+                      <a:tailEnd type="none" w="med" len="med"/>
+                    </a:lnR>
+                    <a:lnT w="12700" cap="flat" cmpd="sng" algn="ctr">
+                      <a:solidFill>
+                        <a:srgbClr val="DDDDDD"/>
+                      </a:solidFill>
+                      <a:prstDash val="solid"/>
+                      <a:round/>
+                      <a:headEnd type="none" w="med" len="med"/>
+                      <a:tailEnd type="none" w="med" len="med"/>
+                    </a:lnT>
+                    <a:lnB w="6350" cap="flat" cmpd="sng" algn="ctr">
+                      <a:solidFill>
+                        <a:srgbClr val="666666"/>
+                      </a:solidFill>
+                      <a:prstDash val="solid"/>
+                      <a:round/>
+                      <a:headEnd type="none" w="med" len="med"/>
+                      <a:tailEnd type="none" w="med" len="med"/>
+                    </a:lnB>
+                    <a:lnTlToBr w="12700" cmpd="sng">
+                      <a:noFill/>
+                      <a:prstDash val="solid"/>
+                    </a:lnTlToBr>
+                    <a:lnBlToTr w="12700" cmpd="sng">
+                      <a:noFill/>
+                      <a:prstDash val="solid"/>
+                    </a:lnBlToTr>
+                    <a:noFill/>
+                  </a:tcPr>
+                </a:tc>
+              </a:tr>
+            </a:tbl>
+          </a:graphicData>
+        </a:graphic>
+      </p:graphicFrame>
+    </p:spTree>
+  </p:cSld>
+  <p:clrMapOvr>
+    <a:masterClrMapping/>
+  </p:clrMapOvr>
+</p:sld>
+</file>
+
+<file path=ppt/slides/slide6.xml><?xml version="1.0" encoding="utf-8"?>
+<p:sld xmlns:a="http://schemas.openxmlformats.org/drawingml/2006/main" xmlns:r="http://schemas.openxmlformats.org/officeDocument/2006/relationships" xmlns:p="http://schemas.openxmlformats.org/presentationml/2006/main">
+  <p:cSld>
+    <p:spTree>
+      <p:nvGrpSpPr>
+        <p:cNvPr id="1" name=""/>
+        <p:cNvGrpSpPr/>
+        <p:nvPr/>
+      </p:nvGrpSpPr>
+      <p:grpSpPr>
+        <a:xfrm>
+          <a:off x="0" y="0"/>
+          <a:ext cx="0" cy="0"/>
+          <a:chOff x="0" y="0"/>
+          <a:chExt cx="0" cy="0"/>
+        </a:xfrm>
+      </p:grpSpPr>
+      <p:sp>
+        <p:nvSpPr>
+          <p:cNvPr id="2" name="标题 1"/>
+          <p:cNvSpPr>
+            <a:spLocks noGrp="1"/>
+          </p:cNvSpPr>
+          <p:nvPr>
+            <p:ph type="title"/>
+          </p:nvPr>
+        </p:nvSpPr>
+        <p:spPr>
+          <a:xfrm>
+            <a:off x="355911" y="227244"/>
+            <a:ext cx="7587933" cy="829647"/>
+          </a:xfrm>
+        </p:spPr>
+        <p:txBody>
+          <a:bodyPr>
             <a:normAutofit fontScale="90000"/>
           </a:bodyPr>
           <a:lstStyle/>
@@ -9054,7 +13135,7 @@
 </p:sld>
 </file>
 
-<file path=ppt/slides/slide5.xml><?xml version="1.0" encoding="utf-8"?>
+<file path=ppt/slides/slide7.xml><?xml version="1.0" encoding="utf-8"?>
 <p:sld xmlns:a="http://schemas.openxmlformats.org/drawingml/2006/main" xmlns:r="http://schemas.openxmlformats.org/officeDocument/2006/relationships" xmlns:p="http://schemas.openxmlformats.org/presentationml/2006/main">
   <p:cSld>
     <p:spTree>
@@ -11214,6 +15295,20 @@
 </file>
 
 <file path=ppt/tags/tag6.xml><?xml version="1.0" encoding="utf-8"?>
+<p:tagLst xmlns:p="http://schemas.openxmlformats.org/presentationml/2006/main">
+  <p:tag name="TABLE_ENDDRAG_ORIGIN_RECT" val="826*339"/>
+  <p:tag name="TABLE_ENDDRAG_RECT" val="37*133*826*339"/>
+</p:tagLst>
+</file>
+
+<file path=ppt/tags/tag7.xml><?xml version="1.0" encoding="utf-8"?>
+<p:tagLst xmlns:p="http://schemas.openxmlformats.org/presentationml/2006/main">
+  <p:tag name="TABLE_ENDDRAG_ORIGIN_RECT" val="826*339"/>
+  <p:tag name="TABLE_ENDDRAG_RECT" val="37*133*826*339"/>
+</p:tagLst>
+</file>
+
+<file path=ppt/tags/tag8.xml><?xml version="1.0" encoding="utf-8"?>
 <p:tagLst xmlns:p="http://schemas.openxmlformats.org/presentationml/2006/main">
   <p:tag name="commondata" val="eyJoZGlkIjoiYjVmMTU1Y2ZjNzgxMzljODJkMDkyZDMzNjdhNzViOTMifQ=="/>
 </p:tagLst>
